--- a/熱等価回路モデル.pptx
+++ b/熱等価回路モデル.pptx
@@ -4428,8 +4428,8 @@
         </p:nvSpPr>
         <p:spPr>
           <a:xfrm>
-            <a:off x="-1411631" y="4146275"/>
-            <a:ext cx="16349197" cy="2138183"/>
+            <a:off x="-1922171" y="4146275"/>
+            <a:ext cx="16349197" cy="4673875"/>
           </a:xfrm>
           <a:prstGeom prst="rect">
             <a:avLst/>
@@ -4481,9 +4481,9 @@
         <p:grpSpPr>
           <a:xfrm>
             <a:off x="976466" y="-1557251"/>
-            <a:ext cx="8514537" cy="5658940"/>
+            <a:ext cx="8404508" cy="5658940"/>
             <a:chOff x="563716" y="-1188951"/>
-            <a:chExt cx="6671172" cy="4433801"/>
+            <a:chExt cx="6584964" cy="4433801"/>
           </a:xfrm>
         </p:grpSpPr>
         <p:grpSp>
@@ -4502,7 +4502,7 @@
             <a:xfrm>
               <a:off x="563716" y="-1188951"/>
               <a:ext cx="6532467" cy="4433801"/>
-              <a:chOff x="157316" y="233859"/>
+              <a:chOff x="157316" y="233858"/>
               <a:chExt cx="9415019" cy="6390284"/>
             </a:xfrm>
           </p:grpSpPr>
@@ -4529,7 +4529,7 @@
             </p:blipFill>
             <p:spPr>
               <a:xfrm rot="5400000">
-                <a:off x="1138508" y="-747333"/>
+                <a:off x="1138508" y="-747334"/>
                 <a:ext cx="6390284" cy="8352668"/>
               </a:xfrm>
               <a:custGeom>
@@ -5768,58 +5768,6 @@
               </a:p>
             </p:txBody>
           </p:sp>
-          <p:sp>
-            <p:nvSpPr>
-              <p:cNvPr id="84" name="楕円 83">
-                <a:extLst>
-                  <a:ext uri="{FF2B5EF4-FFF2-40B4-BE49-F238E27FC236}">
-                    <a16:creationId xmlns:a16="http://schemas.microsoft.com/office/drawing/2014/main" id="{11B7FF49-2E6E-1EE9-DE35-293A45778FE1}"/>
-                  </a:ext>
-                </a:extLst>
-              </p:cNvPr>
-              <p:cNvSpPr/>
-              <p:nvPr/>
-            </p:nvSpPr>
-            <p:spPr>
-              <a:xfrm>
-                <a:off x="3777794" y="3353960"/>
-                <a:ext cx="150080" cy="150080"/>
-              </a:xfrm>
-              <a:prstGeom prst="ellipse">
-                <a:avLst/>
-              </a:prstGeom>
-              <a:solidFill>
-                <a:schemeClr val="tx1"/>
-              </a:solidFill>
-              <a:ln>
-                <a:noFill/>
-              </a:ln>
-            </p:spPr>
-            <p:style>
-              <a:lnRef idx="2">
-                <a:schemeClr val="accent1">
-                  <a:shade val="15000"/>
-                </a:schemeClr>
-              </a:lnRef>
-              <a:fillRef idx="1">
-                <a:schemeClr val="accent1"/>
-              </a:fillRef>
-              <a:effectRef idx="0">
-                <a:schemeClr val="accent1"/>
-              </a:effectRef>
-              <a:fontRef idx="minor">
-                <a:schemeClr val="lt1"/>
-              </a:fontRef>
-            </p:style>
-            <p:txBody>
-              <a:bodyPr rtlCol="0" anchor="ctr"/>
-              <a:lstStyle/>
-              <a:p>
-                <a:pPr algn="ctr"/>
-                <a:endParaRPr kumimoji="1" lang="ja-JP" altLang="en-US"/>
-              </a:p>
-            </p:txBody>
-          </p:sp>
         </p:grpSp>
         <p:sp>
           <p:nvSpPr>
@@ -5960,7 +5908,7 @@
           </p:nvSpPr>
           <p:spPr>
             <a:xfrm>
-              <a:off x="2934687" y="1084655"/>
+              <a:off x="3060839" y="1084655"/>
               <a:ext cx="275306" cy="204972"/>
             </a:xfrm>
             <a:prstGeom prst="rect">
@@ -6004,7 +5952,7 @@
           </p:nvSpPr>
           <p:spPr>
             <a:xfrm>
-              <a:off x="3044426" y="786819"/>
+              <a:off x="3288926" y="786819"/>
               <a:ext cx="275306" cy="204972"/>
             </a:xfrm>
             <a:prstGeom prst="rect">
@@ -6048,7 +5996,7 @@
           </p:nvSpPr>
           <p:spPr>
             <a:xfrm>
-              <a:off x="3281988" y="1099753"/>
+              <a:off x="3365962" y="1084655"/>
               <a:ext cx="275306" cy="204972"/>
             </a:xfrm>
             <a:prstGeom prst="rect">
@@ -6092,7 +6040,7 @@
           </p:nvSpPr>
           <p:spPr>
             <a:xfrm>
-              <a:off x="3606080" y="753620"/>
+              <a:off x="3860948" y="796404"/>
               <a:ext cx="275306" cy="204972"/>
             </a:xfrm>
             <a:prstGeom prst="rect">
@@ -6136,7 +6084,7 @@
           </p:nvSpPr>
           <p:spPr>
             <a:xfrm>
-              <a:off x="3559438" y="1110074"/>
+              <a:off x="3652677" y="1084655"/>
               <a:ext cx="275306" cy="204972"/>
             </a:xfrm>
             <a:prstGeom prst="rect">
@@ -6173,7 +6121,7 @@
           </p:nvSpPr>
           <p:spPr>
             <a:xfrm>
-              <a:off x="3845754" y="770437"/>
+              <a:off x="4000949" y="764467"/>
               <a:ext cx="275306" cy="204972"/>
             </a:xfrm>
             <a:prstGeom prst="rect">
@@ -6217,7 +6165,7 @@
           </p:nvSpPr>
           <p:spPr>
             <a:xfrm>
-              <a:off x="3907742" y="1160478"/>
+              <a:off x="4199724" y="1081574"/>
               <a:ext cx="336849" cy="204972"/>
             </a:xfrm>
             <a:prstGeom prst="rect">
@@ -6261,7 +6209,7 @@
           </p:nvSpPr>
           <p:spPr>
             <a:xfrm>
-              <a:off x="4152734" y="1155502"/>
+              <a:off x="4416065" y="853680"/>
               <a:ext cx="336849" cy="204972"/>
             </a:xfrm>
             <a:prstGeom prst="rect">
@@ -6305,7 +6253,7 @@
           </p:nvSpPr>
           <p:spPr>
             <a:xfrm>
-              <a:off x="4218242" y="742672"/>
+              <a:off x="4515838" y="1011412"/>
               <a:ext cx="336849" cy="204972"/>
             </a:xfrm>
             <a:prstGeom prst="rect">
@@ -6349,7 +6297,7 @@
           </p:nvSpPr>
           <p:spPr>
             <a:xfrm>
-              <a:off x="4786943" y="1160384"/>
+              <a:off x="4844770" y="1058652"/>
               <a:ext cx="336849" cy="204972"/>
             </a:xfrm>
             <a:prstGeom prst="rect">
@@ -6393,7 +6341,7 @@
           </p:nvSpPr>
           <p:spPr>
             <a:xfrm>
-              <a:off x="4476221" y="1144435"/>
+              <a:off x="4787104" y="804128"/>
               <a:ext cx="336849" cy="204972"/>
             </a:xfrm>
             <a:prstGeom prst="rect">
@@ -6430,7 +6378,7 @@
           </p:nvSpPr>
           <p:spPr>
             <a:xfrm>
-              <a:off x="4800368" y="669764"/>
+              <a:off x="5087621" y="795140"/>
               <a:ext cx="336849" cy="204972"/>
             </a:xfrm>
             <a:prstGeom prst="rect">
@@ -6474,7 +6422,7 @@
           </p:nvSpPr>
           <p:spPr>
             <a:xfrm>
-              <a:off x="5074010" y="1167284"/>
+              <a:off x="5210087" y="1041908"/>
               <a:ext cx="336849" cy="204972"/>
             </a:xfrm>
             <a:prstGeom prst="rect">
@@ -6518,7 +6466,7 @@
           </p:nvSpPr>
           <p:spPr>
             <a:xfrm>
-              <a:off x="5382521" y="1183467"/>
+              <a:off x="5384598" y="1155480"/>
               <a:ext cx="336849" cy="204972"/>
             </a:xfrm>
             <a:prstGeom prst="rect">
@@ -6562,7 +6510,7 @@
           </p:nvSpPr>
           <p:spPr>
             <a:xfrm>
-              <a:off x="5384871" y="647677"/>
+              <a:off x="5444529" y="743201"/>
               <a:ext cx="336849" cy="204972"/>
             </a:xfrm>
             <a:prstGeom prst="rect">
@@ -6606,7 +6554,7 @@
           </p:nvSpPr>
           <p:spPr>
             <a:xfrm>
-              <a:off x="5690245" y="1167284"/>
+              <a:off x="5896092" y="1070628"/>
               <a:ext cx="336849" cy="204972"/>
             </a:xfrm>
             <a:prstGeom prst="rect">
@@ -6650,7 +6598,7 @@
           </p:nvSpPr>
           <p:spPr>
             <a:xfrm>
-              <a:off x="5690245" y="660832"/>
+              <a:off x="5692797" y="786208"/>
               <a:ext cx="336849" cy="204972"/>
             </a:xfrm>
             <a:prstGeom prst="rect">
@@ -6687,7 +6635,7 @@
           </p:nvSpPr>
           <p:spPr>
             <a:xfrm>
-              <a:off x="5975700" y="1183467"/>
+              <a:off x="6002885" y="801368"/>
               <a:ext cx="336849" cy="204972"/>
             </a:xfrm>
             <a:prstGeom prst="rect">
@@ -6731,7 +6679,7 @@
           </p:nvSpPr>
           <p:spPr>
             <a:xfrm>
-              <a:off x="6011977" y="712558"/>
+              <a:off x="6276564" y="831964"/>
               <a:ext cx="336849" cy="204972"/>
             </a:xfrm>
             <a:prstGeom prst="rect">
@@ -6775,7 +6723,7 @@
           </p:nvSpPr>
           <p:spPr>
             <a:xfrm>
-              <a:off x="6329387" y="1183467"/>
+              <a:off x="6811831" y="1084655"/>
               <a:ext cx="336849" cy="204972"/>
             </a:xfrm>
             <a:prstGeom prst="rect">
@@ -6807,10 +6755,10 @@
         </p:sp>
         <p:sp>
           <p:nvSpPr>
-            <p:cNvPr id="126" name="テキスト ボックス 125">
+            <p:cNvPr id="398" name="テキスト ボックス 397">
               <a:extLst>
                 <a:ext uri="{FF2B5EF4-FFF2-40B4-BE49-F238E27FC236}">
-                  <a16:creationId xmlns:a16="http://schemas.microsoft.com/office/drawing/2014/main" id="{1A857387-BC87-5374-B2E6-D5AF29995848}"/>
+                  <a16:creationId xmlns:a16="http://schemas.microsoft.com/office/drawing/2014/main" id="{809949B1-2A57-0937-AAB2-93471F6E032C}"/>
                 </a:ext>
               </a:extLst>
             </p:cNvPr>
@@ -6819,8 +6767,52 @@
           </p:nvSpPr>
           <p:spPr>
             <a:xfrm>
-              <a:off x="6898039" y="1183467"/>
-              <a:ext cx="336849" cy="204972"/>
+              <a:off x="2299005" y="480533"/>
+              <a:ext cx="374527" cy="204972"/>
+            </a:xfrm>
+            <a:prstGeom prst="rect">
+              <a:avLst/>
+            </a:prstGeom>
+            <a:noFill/>
+          </p:spPr>
+          <p:txBody>
+            <a:bodyPr wrap="none" rtlCol="0">
+              <a:spAutoFit/>
+            </a:bodyPr>
+            <a:lstStyle/>
+            <a:p>
+              <a:pPr algn="ctr"/>
+              <a:r>
+                <a:rPr lang="en-US" altLang="ja-JP" sz="1100" dirty="0">
+                  <a:solidFill>
+                    <a:srgbClr val="000000"/>
+                  </a:solidFill>
+                  <a:effectLst/>
+                  <a:latin typeface="游ゴシック" panose="020B0400000000000000" pitchFamily="50" charset="-128"/>
+                  <a:ea typeface="游ゴシック" panose="020B0400000000000000" pitchFamily="50" charset="-128"/>
+                </a:rPr>
+                <a:t>Rrx1</a:t>
+              </a:r>
+              <a:endParaRPr kumimoji="1" lang="ja-JP" altLang="en-US" sz="1100" dirty="0"/>
+            </a:p>
+          </p:txBody>
+        </p:sp>
+        <p:sp>
+          <p:nvSpPr>
+            <p:cNvPr id="399" name="テキスト ボックス 398">
+              <a:extLst>
+                <a:ext uri="{FF2B5EF4-FFF2-40B4-BE49-F238E27FC236}">
+                  <a16:creationId xmlns:a16="http://schemas.microsoft.com/office/drawing/2014/main" id="{7A1B52B7-3703-1156-D84B-D71978F2AC34}"/>
+                </a:ext>
+              </a:extLst>
+            </p:cNvPr>
+            <p:cNvSpPr txBox="1"/>
+            <p:nvPr/>
+          </p:nvSpPr>
+          <p:spPr>
+            <a:xfrm>
+              <a:off x="2612183" y="419840"/>
+              <a:ext cx="374527" cy="204972"/>
             </a:xfrm>
             <a:prstGeom prst="rect">
               <a:avLst/>
@@ -6843,9 +6835,475 @@
                   <a:latin typeface="游ゴシック" panose="020B0400000000000000" pitchFamily="50" charset="-128"/>
                   <a:ea typeface="游ゴシック" panose="020B0400000000000000" pitchFamily="50" charset="-128"/>
                 </a:rPr>
-                <a:t>T24</a:t>
+                <a:t>Rrx2</a:t>
               </a:r>
               <a:endParaRPr kumimoji="1" lang="ja-JP" altLang="en-US" sz="1100" dirty="0"/>
+            </a:p>
+          </p:txBody>
+        </p:sp>
+        <p:sp>
+          <p:nvSpPr>
+            <p:cNvPr id="400" name="テキスト ボックス 399">
+              <a:extLst>
+                <a:ext uri="{FF2B5EF4-FFF2-40B4-BE49-F238E27FC236}">
+                  <a16:creationId xmlns:a16="http://schemas.microsoft.com/office/drawing/2014/main" id="{6B1733F6-7B52-C0F1-AC85-85150ABFA5E4}"/>
+                </a:ext>
+              </a:extLst>
+            </p:cNvPr>
+            <p:cNvSpPr txBox="1"/>
+            <p:nvPr/>
+          </p:nvSpPr>
+          <p:spPr>
+            <a:xfrm>
+              <a:off x="2922522" y="354165"/>
+              <a:ext cx="374527" cy="204972"/>
+            </a:xfrm>
+            <a:prstGeom prst="rect">
+              <a:avLst/>
+            </a:prstGeom>
+            <a:noFill/>
+          </p:spPr>
+          <p:txBody>
+            <a:bodyPr wrap="none" rtlCol="0">
+              <a:spAutoFit/>
+            </a:bodyPr>
+            <a:lstStyle/>
+            <a:p>
+              <a:pPr algn="ctr"/>
+              <a:r>
+                <a:rPr lang="en-US" sz="1100" dirty="0">
+                  <a:solidFill>
+                    <a:srgbClr val="000000"/>
+                  </a:solidFill>
+                  <a:effectLst/>
+                  <a:latin typeface="游ゴシック" panose="020B0400000000000000" pitchFamily="50" charset="-128"/>
+                  <a:ea typeface="游ゴシック" panose="020B0400000000000000" pitchFamily="50" charset="-128"/>
+                </a:rPr>
+                <a:t>Rrx3</a:t>
+              </a:r>
+              <a:endParaRPr kumimoji="1" lang="ja-JP" altLang="en-US" sz="1100" dirty="0"/>
+            </a:p>
+          </p:txBody>
+        </p:sp>
+        <p:sp>
+          <p:nvSpPr>
+            <p:cNvPr id="401" name="テキスト ボックス 400">
+              <a:extLst>
+                <a:ext uri="{FF2B5EF4-FFF2-40B4-BE49-F238E27FC236}">
+                  <a16:creationId xmlns:a16="http://schemas.microsoft.com/office/drawing/2014/main" id="{AEAAF24B-8051-F8CE-6965-916288647997}"/>
+                </a:ext>
+              </a:extLst>
+            </p:cNvPr>
+            <p:cNvSpPr txBox="1"/>
+            <p:nvPr/>
+          </p:nvSpPr>
+          <p:spPr>
+            <a:xfrm>
+              <a:off x="3210878" y="311384"/>
+              <a:ext cx="373271" cy="204972"/>
+            </a:xfrm>
+            <a:prstGeom prst="rect">
+              <a:avLst/>
+            </a:prstGeom>
+            <a:noFill/>
+          </p:spPr>
+          <p:txBody>
+            <a:bodyPr wrap="none" rtlCol="0">
+              <a:spAutoFit/>
+            </a:bodyPr>
+            <a:lstStyle/>
+            <a:p>
+              <a:pPr algn="ctr"/>
+              <a:r>
+                <a:rPr lang="en-US" sz="1100" dirty="0">
+                  <a:solidFill>
+                    <a:srgbClr val="000000"/>
+                  </a:solidFill>
+                  <a:effectLst/>
+                  <a:latin typeface="游ゴシック" panose="020B0400000000000000" pitchFamily="50" charset="-128"/>
+                  <a:ea typeface="游ゴシック" panose="020B0400000000000000" pitchFamily="50" charset="-128"/>
+                </a:rPr>
+                <a:t>Rtx1</a:t>
+              </a:r>
+              <a:endParaRPr kumimoji="1" lang="ja-JP" altLang="en-US" sz="1100" dirty="0"/>
+            </a:p>
+          </p:txBody>
+        </p:sp>
+        <p:sp>
+          <p:nvSpPr>
+            <p:cNvPr id="460" name="テキスト ボックス 459">
+              <a:extLst>
+                <a:ext uri="{FF2B5EF4-FFF2-40B4-BE49-F238E27FC236}">
+                  <a16:creationId xmlns:a16="http://schemas.microsoft.com/office/drawing/2014/main" id="{5DE45214-ED26-29E5-1EBA-3C9BD34970E5}"/>
+                </a:ext>
+              </a:extLst>
+            </p:cNvPr>
+            <p:cNvSpPr txBox="1"/>
+            <p:nvPr/>
+          </p:nvSpPr>
+          <p:spPr>
+            <a:xfrm>
+              <a:off x="3514872" y="239740"/>
+              <a:ext cx="373271" cy="204972"/>
+            </a:xfrm>
+            <a:prstGeom prst="rect">
+              <a:avLst/>
+            </a:prstGeom>
+            <a:noFill/>
+          </p:spPr>
+          <p:txBody>
+            <a:bodyPr wrap="none" rtlCol="0">
+              <a:spAutoFit/>
+            </a:bodyPr>
+            <a:lstStyle/>
+            <a:p>
+              <a:pPr algn="ctr"/>
+              <a:r>
+                <a:rPr lang="en-US" altLang="ja-JP" sz="1100" dirty="0">
+                  <a:solidFill>
+                    <a:srgbClr val="000000"/>
+                  </a:solidFill>
+                  <a:latin typeface="游ゴシック" panose="020B0400000000000000" pitchFamily="50" charset="-128"/>
+                </a:rPr>
+                <a:t>Rtx2</a:t>
+              </a:r>
+              <a:endParaRPr lang="ja-JP" altLang="en-US" sz="1100" dirty="0"/>
+            </a:p>
+          </p:txBody>
+        </p:sp>
+        <p:sp>
+          <p:nvSpPr>
+            <p:cNvPr id="461" name="テキスト ボックス 460">
+              <a:extLst>
+                <a:ext uri="{FF2B5EF4-FFF2-40B4-BE49-F238E27FC236}">
+                  <a16:creationId xmlns:a16="http://schemas.microsoft.com/office/drawing/2014/main" id="{D76CB417-6115-E720-C6ED-EB3DEDB48346}"/>
+                </a:ext>
+              </a:extLst>
+            </p:cNvPr>
+            <p:cNvSpPr txBox="1"/>
+            <p:nvPr/>
+          </p:nvSpPr>
+          <p:spPr>
+            <a:xfrm>
+              <a:off x="3802073" y="180037"/>
+              <a:ext cx="373271" cy="204972"/>
+            </a:xfrm>
+            <a:prstGeom prst="rect">
+              <a:avLst/>
+            </a:prstGeom>
+            <a:noFill/>
+          </p:spPr>
+          <p:txBody>
+            <a:bodyPr wrap="none" rtlCol="0">
+              <a:spAutoFit/>
+            </a:bodyPr>
+            <a:lstStyle/>
+            <a:p>
+              <a:pPr algn="ctr"/>
+              <a:r>
+                <a:rPr lang="en-US" altLang="ja-JP" sz="1100" dirty="0">
+                  <a:solidFill>
+                    <a:srgbClr val="000000"/>
+                  </a:solidFill>
+                  <a:latin typeface="游ゴシック" panose="020B0400000000000000" pitchFamily="50" charset="-128"/>
+                </a:rPr>
+                <a:t>Rtx3</a:t>
+              </a:r>
+              <a:endParaRPr lang="ja-JP" altLang="en-US" sz="1100" dirty="0"/>
+            </a:p>
+          </p:txBody>
+        </p:sp>
+        <p:sp>
+          <p:nvSpPr>
+            <p:cNvPr id="462" name="テキスト ボックス 461">
+              <a:extLst>
+                <a:ext uri="{FF2B5EF4-FFF2-40B4-BE49-F238E27FC236}">
+                  <a16:creationId xmlns:a16="http://schemas.microsoft.com/office/drawing/2014/main" id="{676E2208-DEFD-5479-F135-D108535687B1}"/>
+                </a:ext>
+              </a:extLst>
+            </p:cNvPr>
+            <p:cNvSpPr txBox="1"/>
+            <p:nvPr/>
+          </p:nvSpPr>
+          <p:spPr>
+            <a:xfrm>
+              <a:off x="4086441" y="126304"/>
+              <a:ext cx="405927" cy="204972"/>
+            </a:xfrm>
+            <a:prstGeom prst="rect">
+              <a:avLst/>
+            </a:prstGeom>
+            <a:noFill/>
+          </p:spPr>
+          <p:txBody>
+            <a:bodyPr wrap="none" rtlCol="0">
+              <a:spAutoFit/>
+            </a:bodyPr>
+            <a:lstStyle/>
+            <a:p>
+              <a:pPr algn="ctr"/>
+              <a:r>
+                <a:rPr lang="en-US" altLang="ja-JP" sz="1100" dirty="0">
+                  <a:solidFill>
+                    <a:srgbClr val="000000"/>
+                  </a:solidFill>
+                  <a:latin typeface="游ゴシック" panose="020B0400000000000000" pitchFamily="50" charset="-128"/>
+                </a:rPr>
+                <a:t>Rb11</a:t>
+              </a:r>
+              <a:endParaRPr lang="ja-JP" altLang="en-US" sz="1100" dirty="0"/>
+            </a:p>
+          </p:txBody>
+        </p:sp>
+        <p:sp>
+          <p:nvSpPr>
+            <p:cNvPr id="463" name="テキスト ボックス 462">
+              <a:extLst>
+                <a:ext uri="{FF2B5EF4-FFF2-40B4-BE49-F238E27FC236}">
+                  <a16:creationId xmlns:a16="http://schemas.microsoft.com/office/drawing/2014/main" id="{B935FB6C-9113-29EC-62F1-E33C1E183925}"/>
+                </a:ext>
+              </a:extLst>
+            </p:cNvPr>
+            <p:cNvSpPr txBox="1"/>
+            <p:nvPr/>
+          </p:nvSpPr>
+          <p:spPr>
+            <a:xfrm>
+              <a:off x="4364997" y="61013"/>
+              <a:ext cx="405927" cy="204972"/>
+            </a:xfrm>
+            <a:prstGeom prst="rect">
+              <a:avLst/>
+            </a:prstGeom>
+            <a:noFill/>
+          </p:spPr>
+          <p:txBody>
+            <a:bodyPr wrap="none" rtlCol="0">
+              <a:spAutoFit/>
+            </a:bodyPr>
+            <a:lstStyle/>
+            <a:p>
+              <a:pPr algn="ctr"/>
+              <a:r>
+                <a:rPr lang="en-US" altLang="ja-JP" sz="1100" dirty="0">
+                  <a:solidFill>
+                    <a:srgbClr val="000000"/>
+                  </a:solidFill>
+                  <a:latin typeface="游ゴシック" panose="020B0400000000000000" pitchFamily="50" charset="-128"/>
+                </a:rPr>
+                <a:t>Rb12</a:t>
+              </a:r>
+              <a:endParaRPr lang="ja-JP" altLang="en-US" sz="1100" dirty="0"/>
+            </a:p>
+          </p:txBody>
+        </p:sp>
+        <p:sp>
+          <p:nvSpPr>
+            <p:cNvPr id="464" name="テキスト ボックス 463">
+              <a:extLst>
+                <a:ext uri="{FF2B5EF4-FFF2-40B4-BE49-F238E27FC236}">
+                  <a16:creationId xmlns:a16="http://schemas.microsoft.com/office/drawing/2014/main" id="{8C5FC06B-5D97-076F-F05A-4E10CBE4EFFA}"/>
+                </a:ext>
+              </a:extLst>
+            </p:cNvPr>
+            <p:cNvSpPr txBox="1"/>
+            <p:nvPr/>
+          </p:nvSpPr>
+          <p:spPr>
+            <a:xfrm>
+              <a:off x="4676323" y="1310"/>
+              <a:ext cx="405927" cy="204972"/>
+            </a:xfrm>
+            <a:prstGeom prst="rect">
+              <a:avLst/>
+            </a:prstGeom>
+            <a:noFill/>
+          </p:spPr>
+          <p:txBody>
+            <a:bodyPr wrap="none" rtlCol="0">
+              <a:spAutoFit/>
+            </a:bodyPr>
+            <a:lstStyle/>
+            <a:p>
+              <a:pPr algn="ctr"/>
+              <a:r>
+                <a:rPr lang="en-US" altLang="ja-JP" sz="1100" dirty="0">
+                  <a:solidFill>
+                    <a:srgbClr val="000000"/>
+                  </a:solidFill>
+                  <a:latin typeface="游ゴシック" panose="020B0400000000000000" pitchFamily="50" charset="-128"/>
+                </a:rPr>
+                <a:t>Rb13</a:t>
+              </a:r>
+              <a:endParaRPr lang="ja-JP" altLang="en-US" sz="1100" dirty="0"/>
+            </a:p>
+          </p:txBody>
+        </p:sp>
+        <p:sp>
+          <p:nvSpPr>
+            <p:cNvPr id="465" name="テキスト ボックス 464">
+              <a:extLst>
+                <a:ext uri="{FF2B5EF4-FFF2-40B4-BE49-F238E27FC236}">
+                  <a16:creationId xmlns:a16="http://schemas.microsoft.com/office/drawing/2014/main" id="{8298D740-7749-5A96-67B9-4E9B311D286D}"/>
+                </a:ext>
+              </a:extLst>
+            </p:cNvPr>
+            <p:cNvSpPr txBox="1"/>
+            <p:nvPr/>
+          </p:nvSpPr>
+          <p:spPr>
+            <a:xfrm>
+              <a:off x="4966244" y="-71325"/>
+              <a:ext cx="405926" cy="204972"/>
+            </a:xfrm>
+            <a:prstGeom prst="rect">
+              <a:avLst/>
+            </a:prstGeom>
+            <a:noFill/>
+          </p:spPr>
+          <p:txBody>
+            <a:bodyPr wrap="none" rtlCol="0">
+              <a:spAutoFit/>
+            </a:bodyPr>
+            <a:lstStyle/>
+            <a:p>
+              <a:pPr algn="ctr"/>
+              <a:r>
+                <a:rPr lang="en-US" altLang="ja-JP" sz="1100" dirty="0">
+                  <a:solidFill>
+                    <a:srgbClr val="000000"/>
+                  </a:solidFill>
+                  <a:latin typeface="游ゴシック" panose="020B0400000000000000" pitchFamily="50" charset="-128"/>
+                </a:rPr>
+                <a:t>Rb21</a:t>
+              </a:r>
+              <a:endParaRPr lang="ja-JP" altLang="en-US" sz="1100" dirty="0"/>
+            </a:p>
+          </p:txBody>
+        </p:sp>
+        <p:sp>
+          <p:nvSpPr>
+            <p:cNvPr id="466" name="テキスト ボックス 465">
+              <a:extLst>
+                <a:ext uri="{FF2B5EF4-FFF2-40B4-BE49-F238E27FC236}">
+                  <a16:creationId xmlns:a16="http://schemas.microsoft.com/office/drawing/2014/main" id="{16BBF88D-F1D6-50CC-1362-F10FEA270A8C}"/>
+                </a:ext>
+              </a:extLst>
+            </p:cNvPr>
+            <p:cNvSpPr txBox="1"/>
+            <p:nvPr/>
+          </p:nvSpPr>
+          <p:spPr>
+            <a:xfrm>
+              <a:off x="5266523" y="-125058"/>
+              <a:ext cx="405927" cy="204972"/>
+            </a:xfrm>
+            <a:prstGeom prst="rect">
+              <a:avLst/>
+            </a:prstGeom>
+            <a:noFill/>
+          </p:spPr>
+          <p:txBody>
+            <a:bodyPr wrap="none" rtlCol="0">
+              <a:spAutoFit/>
+            </a:bodyPr>
+            <a:lstStyle/>
+            <a:p>
+              <a:pPr algn="ctr"/>
+              <a:r>
+                <a:rPr lang="en-US" altLang="ja-JP" sz="1100" dirty="0">
+                  <a:solidFill>
+                    <a:srgbClr val="000000"/>
+                  </a:solidFill>
+                  <a:latin typeface="游ゴシック" panose="020B0400000000000000" pitchFamily="50" charset="-128"/>
+                </a:rPr>
+                <a:t>Rb22</a:t>
+              </a:r>
+              <a:endParaRPr lang="ja-JP" altLang="en-US" sz="1100" dirty="0"/>
+            </a:p>
+          </p:txBody>
+        </p:sp>
+        <p:sp>
+          <p:nvSpPr>
+            <p:cNvPr id="467" name="テキスト ボックス 466">
+              <a:extLst>
+                <a:ext uri="{FF2B5EF4-FFF2-40B4-BE49-F238E27FC236}">
+                  <a16:creationId xmlns:a16="http://schemas.microsoft.com/office/drawing/2014/main" id="{F98B49CB-7EF2-16B7-1827-8741BE42EC3B}"/>
+                </a:ext>
+              </a:extLst>
+            </p:cNvPr>
+            <p:cNvSpPr txBox="1"/>
+            <p:nvPr/>
+          </p:nvSpPr>
+          <p:spPr>
+            <a:xfrm>
+              <a:off x="5582167" y="-173811"/>
+              <a:ext cx="405927" cy="204972"/>
+            </a:xfrm>
+            <a:prstGeom prst="rect">
+              <a:avLst/>
+            </a:prstGeom>
+            <a:noFill/>
+          </p:spPr>
+          <p:txBody>
+            <a:bodyPr wrap="none" rtlCol="0">
+              <a:spAutoFit/>
+            </a:bodyPr>
+            <a:lstStyle/>
+            <a:p>
+              <a:pPr algn="ctr"/>
+              <a:r>
+                <a:rPr lang="en-US" altLang="ja-JP" sz="1100" dirty="0">
+                  <a:solidFill>
+                    <a:srgbClr val="000000"/>
+                  </a:solidFill>
+                  <a:latin typeface="游ゴシック" panose="020B0400000000000000" pitchFamily="50" charset="-128"/>
+                </a:rPr>
+                <a:t>Rb31</a:t>
+              </a:r>
+              <a:endParaRPr lang="ja-JP" altLang="en-US" sz="1100" dirty="0"/>
+            </a:p>
+          </p:txBody>
+        </p:sp>
+        <p:sp>
+          <p:nvSpPr>
+            <p:cNvPr id="468" name="テキスト ボックス 467">
+              <a:extLst>
+                <a:ext uri="{FF2B5EF4-FFF2-40B4-BE49-F238E27FC236}">
+                  <a16:creationId xmlns:a16="http://schemas.microsoft.com/office/drawing/2014/main" id="{AC9EF1E5-59E4-8C91-5375-21CADABFA8AE}"/>
+                </a:ext>
+              </a:extLst>
+            </p:cNvPr>
+            <p:cNvSpPr txBox="1"/>
+            <p:nvPr/>
+          </p:nvSpPr>
+          <p:spPr>
+            <a:xfrm>
+              <a:off x="5859880" y="-251425"/>
+              <a:ext cx="405927" cy="204972"/>
+            </a:xfrm>
+            <a:prstGeom prst="rect">
+              <a:avLst/>
+            </a:prstGeom>
+            <a:noFill/>
+          </p:spPr>
+          <p:txBody>
+            <a:bodyPr wrap="none" rtlCol="0">
+              <a:spAutoFit/>
+            </a:bodyPr>
+            <a:lstStyle/>
+            <a:p>
+              <a:pPr algn="ctr"/>
+              <a:r>
+                <a:rPr lang="en-US" altLang="ja-JP" sz="1100" dirty="0">
+                  <a:solidFill>
+                    <a:srgbClr val="000000"/>
+                  </a:solidFill>
+                  <a:latin typeface="游ゴシック" panose="020B0400000000000000" pitchFamily="50" charset="-128"/>
+                </a:rPr>
+                <a:t>Rb32</a:t>
+              </a:r>
+              <a:endParaRPr lang="ja-JP" altLang="en-US" sz="1100" dirty="0"/>
             </a:p>
           </p:txBody>
         </p:sp>
@@ -15388,394 +15846,6 @@
       </p:sp>
       <p:sp>
         <p:nvSpPr>
-          <p:cNvPr id="158" name="フリーフォーム: 図形 157">
-            <a:extLst>
-              <a:ext uri="{FF2B5EF4-FFF2-40B4-BE49-F238E27FC236}">
-                <a16:creationId xmlns:a16="http://schemas.microsoft.com/office/drawing/2014/main" id="{F62E83B0-A87E-49CB-D339-DECAD0C09090}"/>
-              </a:ext>
-            </a:extLst>
-          </p:cNvPr>
-          <p:cNvSpPr/>
-          <p:nvPr/>
-        </p:nvSpPr>
-        <p:spPr bwMode="auto">
-          <a:xfrm>
-            <a:off x="11182212" y="5003340"/>
-            <a:ext cx="506111" cy="178607"/>
-          </a:xfrm>
-          <a:custGeom>
-            <a:avLst/>
-            <a:gdLst>
-              <a:gd name="connsiteX0" fmla="*/ 382541 w 1728639"/>
-              <a:gd name="connsiteY0" fmla="*/ 0 h 450051"/>
-              <a:gd name="connsiteX1" fmla="*/ 572511 w 1728639"/>
-              <a:gd name="connsiteY1" fmla="*/ 414482 h 450051"/>
-              <a:gd name="connsiteX2" fmla="*/ 762483 w 1728639"/>
-              <a:gd name="connsiteY2" fmla="*/ 0 h 450051"/>
-              <a:gd name="connsiteX3" fmla="*/ 952453 w 1728639"/>
-              <a:gd name="connsiteY3" fmla="*/ 414482 h 450051"/>
-              <a:gd name="connsiteX4" fmla="*/ 1142425 w 1728639"/>
-              <a:gd name="connsiteY4" fmla="*/ 0 h 450051"/>
-              <a:gd name="connsiteX5" fmla="*/ 1332395 w 1728639"/>
-              <a:gd name="connsiteY5" fmla="*/ 414481 h 450051"/>
-              <a:gd name="connsiteX6" fmla="*/ 1522366 w 1728639"/>
-              <a:gd name="connsiteY6" fmla="*/ 0 h 450051"/>
-              <a:gd name="connsiteX7" fmla="*/ 1625503 w 1728639"/>
-              <a:gd name="connsiteY7" fmla="*/ 225025 h 450051"/>
-              <a:gd name="connsiteX8" fmla="*/ 1710190 w 1728639"/>
-              <a:gd name="connsiteY8" fmla="*/ 225025 h 450051"/>
-              <a:gd name="connsiteX9" fmla="*/ 1710190 w 1728639"/>
-              <a:gd name="connsiteY9" fmla="*/ 409799 h 450051"/>
-              <a:gd name="connsiteX10" fmla="*/ 1728639 w 1728639"/>
-              <a:gd name="connsiteY10" fmla="*/ 450051 h 450051"/>
-              <a:gd name="connsiteX11" fmla="*/ 0 w 1728639"/>
-              <a:gd name="connsiteY11" fmla="*/ 450051 h 450051"/>
-              <a:gd name="connsiteX12" fmla="*/ 0 w 1728639"/>
-              <a:gd name="connsiteY12" fmla="*/ 225025 h 450051"/>
-              <a:gd name="connsiteX13" fmla="*/ 279404 w 1728639"/>
-              <a:gd name="connsiteY13" fmla="*/ 225025 h 450051"/>
-              <a:gd name="connsiteX0" fmla="*/ 0 w 1728639"/>
-              <a:gd name="connsiteY0" fmla="*/ 450051 h 541491"/>
-              <a:gd name="connsiteX1" fmla="*/ 0 w 1728639"/>
-              <a:gd name="connsiteY1" fmla="*/ 225025 h 541491"/>
-              <a:gd name="connsiteX2" fmla="*/ 279404 w 1728639"/>
-              <a:gd name="connsiteY2" fmla="*/ 225025 h 541491"/>
-              <a:gd name="connsiteX3" fmla="*/ 382541 w 1728639"/>
-              <a:gd name="connsiteY3" fmla="*/ 0 h 541491"/>
-              <a:gd name="connsiteX4" fmla="*/ 572511 w 1728639"/>
-              <a:gd name="connsiteY4" fmla="*/ 414482 h 541491"/>
-              <a:gd name="connsiteX5" fmla="*/ 762483 w 1728639"/>
-              <a:gd name="connsiteY5" fmla="*/ 0 h 541491"/>
-              <a:gd name="connsiteX6" fmla="*/ 952453 w 1728639"/>
-              <a:gd name="connsiteY6" fmla="*/ 414482 h 541491"/>
-              <a:gd name="connsiteX7" fmla="*/ 1142425 w 1728639"/>
-              <a:gd name="connsiteY7" fmla="*/ 0 h 541491"/>
-              <a:gd name="connsiteX8" fmla="*/ 1332395 w 1728639"/>
-              <a:gd name="connsiteY8" fmla="*/ 414481 h 541491"/>
-              <a:gd name="connsiteX9" fmla="*/ 1522366 w 1728639"/>
-              <a:gd name="connsiteY9" fmla="*/ 0 h 541491"/>
-              <a:gd name="connsiteX10" fmla="*/ 1625503 w 1728639"/>
-              <a:gd name="connsiteY10" fmla="*/ 225025 h 541491"/>
-              <a:gd name="connsiteX11" fmla="*/ 1710190 w 1728639"/>
-              <a:gd name="connsiteY11" fmla="*/ 225025 h 541491"/>
-              <a:gd name="connsiteX12" fmla="*/ 1710190 w 1728639"/>
-              <a:gd name="connsiteY12" fmla="*/ 409799 h 541491"/>
-              <a:gd name="connsiteX13" fmla="*/ 1728639 w 1728639"/>
-              <a:gd name="connsiteY13" fmla="*/ 450051 h 541491"/>
-              <a:gd name="connsiteX14" fmla="*/ 91440 w 1728639"/>
-              <a:gd name="connsiteY14" fmla="*/ 541491 h 541491"/>
-              <a:gd name="connsiteX0" fmla="*/ 0 w 1728639"/>
-              <a:gd name="connsiteY0" fmla="*/ 225025 h 541491"/>
-              <a:gd name="connsiteX1" fmla="*/ 279404 w 1728639"/>
-              <a:gd name="connsiteY1" fmla="*/ 225025 h 541491"/>
-              <a:gd name="connsiteX2" fmla="*/ 382541 w 1728639"/>
-              <a:gd name="connsiteY2" fmla="*/ 0 h 541491"/>
-              <a:gd name="connsiteX3" fmla="*/ 572511 w 1728639"/>
-              <a:gd name="connsiteY3" fmla="*/ 414482 h 541491"/>
-              <a:gd name="connsiteX4" fmla="*/ 762483 w 1728639"/>
-              <a:gd name="connsiteY4" fmla="*/ 0 h 541491"/>
-              <a:gd name="connsiteX5" fmla="*/ 952453 w 1728639"/>
-              <a:gd name="connsiteY5" fmla="*/ 414482 h 541491"/>
-              <a:gd name="connsiteX6" fmla="*/ 1142425 w 1728639"/>
-              <a:gd name="connsiteY6" fmla="*/ 0 h 541491"/>
-              <a:gd name="connsiteX7" fmla="*/ 1332395 w 1728639"/>
-              <a:gd name="connsiteY7" fmla="*/ 414481 h 541491"/>
-              <a:gd name="connsiteX8" fmla="*/ 1522366 w 1728639"/>
-              <a:gd name="connsiteY8" fmla="*/ 0 h 541491"/>
-              <a:gd name="connsiteX9" fmla="*/ 1625503 w 1728639"/>
-              <a:gd name="connsiteY9" fmla="*/ 225025 h 541491"/>
-              <a:gd name="connsiteX10" fmla="*/ 1710190 w 1728639"/>
-              <a:gd name="connsiteY10" fmla="*/ 225025 h 541491"/>
-              <a:gd name="connsiteX11" fmla="*/ 1710190 w 1728639"/>
-              <a:gd name="connsiteY11" fmla="*/ 409799 h 541491"/>
-              <a:gd name="connsiteX12" fmla="*/ 1728639 w 1728639"/>
-              <a:gd name="connsiteY12" fmla="*/ 450051 h 541491"/>
-              <a:gd name="connsiteX13" fmla="*/ 91440 w 1728639"/>
-              <a:gd name="connsiteY13" fmla="*/ 541491 h 541491"/>
-              <a:gd name="connsiteX0" fmla="*/ 0 w 1728639"/>
-              <a:gd name="connsiteY0" fmla="*/ 225025 h 450051"/>
-              <a:gd name="connsiteX1" fmla="*/ 279404 w 1728639"/>
-              <a:gd name="connsiteY1" fmla="*/ 225025 h 450051"/>
-              <a:gd name="connsiteX2" fmla="*/ 382541 w 1728639"/>
-              <a:gd name="connsiteY2" fmla="*/ 0 h 450051"/>
-              <a:gd name="connsiteX3" fmla="*/ 572511 w 1728639"/>
-              <a:gd name="connsiteY3" fmla="*/ 414482 h 450051"/>
-              <a:gd name="connsiteX4" fmla="*/ 762483 w 1728639"/>
-              <a:gd name="connsiteY4" fmla="*/ 0 h 450051"/>
-              <a:gd name="connsiteX5" fmla="*/ 952453 w 1728639"/>
-              <a:gd name="connsiteY5" fmla="*/ 414482 h 450051"/>
-              <a:gd name="connsiteX6" fmla="*/ 1142425 w 1728639"/>
-              <a:gd name="connsiteY6" fmla="*/ 0 h 450051"/>
-              <a:gd name="connsiteX7" fmla="*/ 1332395 w 1728639"/>
-              <a:gd name="connsiteY7" fmla="*/ 414481 h 450051"/>
-              <a:gd name="connsiteX8" fmla="*/ 1522366 w 1728639"/>
-              <a:gd name="connsiteY8" fmla="*/ 0 h 450051"/>
-              <a:gd name="connsiteX9" fmla="*/ 1625503 w 1728639"/>
-              <a:gd name="connsiteY9" fmla="*/ 225025 h 450051"/>
-              <a:gd name="connsiteX10" fmla="*/ 1710190 w 1728639"/>
-              <a:gd name="connsiteY10" fmla="*/ 225025 h 450051"/>
-              <a:gd name="connsiteX11" fmla="*/ 1710190 w 1728639"/>
-              <a:gd name="connsiteY11" fmla="*/ 409799 h 450051"/>
-              <a:gd name="connsiteX12" fmla="*/ 1728639 w 1728639"/>
-              <a:gd name="connsiteY12" fmla="*/ 450051 h 450051"/>
-              <a:gd name="connsiteX0" fmla="*/ 0 w 1710190"/>
-              <a:gd name="connsiteY0" fmla="*/ 225025 h 414482"/>
-              <a:gd name="connsiteX1" fmla="*/ 279404 w 1710190"/>
-              <a:gd name="connsiteY1" fmla="*/ 225025 h 414482"/>
-              <a:gd name="connsiteX2" fmla="*/ 382541 w 1710190"/>
-              <a:gd name="connsiteY2" fmla="*/ 0 h 414482"/>
-              <a:gd name="connsiteX3" fmla="*/ 572511 w 1710190"/>
-              <a:gd name="connsiteY3" fmla="*/ 414482 h 414482"/>
-              <a:gd name="connsiteX4" fmla="*/ 762483 w 1710190"/>
-              <a:gd name="connsiteY4" fmla="*/ 0 h 414482"/>
-              <a:gd name="connsiteX5" fmla="*/ 952453 w 1710190"/>
-              <a:gd name="connsiteY5" fmla="*/ 414482 h 414482"/>
-              <a:gd name="connsiteX6" fmla="*/ 1142425 w 1710190"/>
-              <a:gd name="connsiteY6" fmla="*/ 0 h 414482"/>
-              <a:gd name="connsiteX7" fmla="*/ 1332395 w 1710190"/>
-              <a:gd name="connsiteY7" fmla="*/ 414481 h 414482"/>
-              <a:gd name="connsiteX8" fmla="*/ 1522366 w 1710190"/>
-              <a:gd name="connsiteY8" fmla="*/ 0 h 414482"/>
-              <a:gd name="connsiteX9" fmla="*/ 1625503 w 1710190"/>
-              <a:gd name="connsiteY9" fmla="*/ 225025 h 414482"/>
-              <a:gd name="connsiteX10" fmla="*/ 1710190 w 1710190"/>
-              <a:gd name="connsiteY10" fmla="*/ 225025 h 414482"/>
-              <a:gd name="connsiteX11" fmla="*/ 1710190 w 1710190"/>
-              <a:gd name="connsiteY11" fmla="*/ 409799 h 414482"/>
-              <a:gd name="connsiteX0" fmla="*/ 0 w 1710190"/>
-              <a:gd name="connsiteY0" fmla="*/ 225025 h 414482"/>
-              <a:gd name="connsiteX1" fmla="*/ 279404 w 1710190"/>
-              <a:gd name="connsiteY1" fmla="*/ 225025 h 414482"/>
-              <a:gd name="connsiteX2" fmla="*/ 382541 w 1710190"/>
-              <a:gd name="connsiteY2" fmla="*/ 0 h 414482"/>
-              <a:gd name="connsiteX3" fmla="*/ 572511 w 1710190"/>
-              <a:gd name="connsiteY3" fmla="*/ 414482 h 414482"/>
-              <a:gd name="connsiteX4" fmla="*/ 762483 w 1710190"/>
-              <a:gd name="connsiteY4" fmla="*/ 0 h 414482"/>
-              <a:gd name="connsiteX5" fmla="*/ 952453 w 1710190"/>
-              <a:gd name="connsiteY5" fmla="*/ 414482 h 414482"/>
-              <a:gd name="connsiteX6" fmla="*/ 1142425 w 1710190"/>
-              <a:gd name="connsiteY6" fmla="*/ 0 h 414482"/>
-              <a:gd name="connsiteX7" fmla="*/ 1332395 w 1710190"/>
-              <a:gd name="connsiteY7" fmla="*/ 414481 h 414482"/>
-              <a:gd name="connsiteX8" fmla="*/ 1522366 w 1710190"/>
-              <a:gd name="connsiteY8" fmla="*/ 0 h 414482"/>
-              <a:gd name="connsiteX9" fmla="*/ 1625503 w 1710190"/>
-              <a:gd name="connsiteY9" fmla="*/ 225025 h 414482"/>
-              <a:gd name="connsiteX10" fmla="*/ 1710190 w 1710190"/>
-              <a:gd name="connsiteY10" fmla="*/ 225025 h 414482"/>
-              <a:gd name="connsiteX0" fmla="*/ 0 w 1920462"/>
-              <a:gd name="connsiteY0" fmla="*/ 225025 h 414482"/>
-              <a:gd name="connsiteX1" fmla="*/ 279404 w 1920462"/>
-              <a:gd name="connsiteY1" fmla="*/ 225025 h 414482"/>
-              <a:gd name="connsiteX2" fmla="*/ 382541 w 1920462"/>
-              <a:gd name="connsiteY2" fmla="*/ 0 h 414482"/>
-              <a:gd name="connsiteX3" fmla="*/ 572511 w 1920462"/>
-              <a:gd name="connsiteY3" fmla="*/ 414482 h 414482"/>
-              <a:gd name="connsiteX4" fmla="*/ 762483 w 1920462"/>
-              <a:gd name="connsiteY4" fmla="*/ 0 h 414482"/>
-              <a:gd name="connsiteX5" fmla="*/ 952453 w 1920462"/>
-              <a:gd name="connsiteY5" fmla="*/ 414482 h 414482"/>
-              <a:gd name="connsiteX6" fmla="*/ 1142425 w 1920462"/>
-              <a:gd name="connsiteY6" fmla="*/ 0 h 414482"/>
-              <a:gd name="connsiteX7" fmla="*/ 1332395 w 1920462"/>
-              <a:gd name="connsiteY7" fmla="*/ 414481 h 414482"/>
-              <a:gd name="connsiteX8" fmla="*/ 1522366 w 1920462"/>
-              <a:gd name="connsiteY8" fmla="*/ 0 h 414482"/>
-              <a:gd name="connsiteX9" fmla="*/ 1625503 w 1920462"/>
-              <a:gd name="connsiteY9" fmla="*/ 225025 h 414482"/>
-              <a:gd name="connsiteX10" fmla="*/ 1920462 w 1920462"/>
-              <a:gd name="connsiteY10" fmla="*/ 222105 h 414482"/>
-              <a:gd name="connsiteX0" fmla="*/ 0 w 1923382"/>
-              <a:gd name="connsiteY0" fmla="*/ 225025 h 414482"/>
-              <a:gd name="connsiteX1" fmla="*/ 279404 w 1923382"/>
-              <a:gd name="connsiteY1" fmla="*/ 225025 h 414482"/>
-              <a:gd name="connsiteX2" fmla="*/ 382541 w 1923382"/>
-              <a:gd name="connsiteY2" fmla="*/ 0 h 414482"/>
-              <a:gd name="connsiteX3" fmla="*/ 572511 w 1923382"/>
-              <a:gd name="connsiteY3" fmla="*/ 414482 h 414482"/>
-              <a:gd name="connsiteX4" fmla="*/ 762483 w 1923382"/>
-              <a:gd name="connsiteY4" fmla="*/ 0 h 414482"/>
-              <a:gd name="connsiteX5" fmla="*/ 952453 w 1923382"/>
-              <a:gd name="connsiteY5" fmla="*/ 414482 h 414482"/>
-              <a:gd name="connsiteX6" fmla="*/ 1142425 w 1923382"/>
-              <a:gd name="connsiteY6" fmla="*/ 0 h 414482"/>
-              <a:gd name="connsiteX7" fmla="*/ 1332395 w 1923382"/>
-              <a:gd name="connsiteY7" fmla="*/ 414481 h 414482"/>
-              <a:gd name="connsiteX8" fmla="*/ 1522366 w 1923382"/>
-              <a:gd name="connsiteY8" fmla="*/ 0 h 414482"/>
-              <a:gd name="connsiteX9" fmla="*/ 1625503 w 1923382"/>
-              <a:gd name="connsiteY9" fmla="*/ 225025 h 414482"/>
-              <a:gd name="connsiteX10" fmla="*/ 1923382 w 1923382"/>
-              <a:gd name="connsiteY10" fmla="*/ 225026 h 414482"/>
-            </a:gdLst>
-            <a:ahLst/>
-            <a:cxnLst>
-              <a:cxn ang="0">
-                <a:pos x="connsiteX0" y="connsiteY0"/>
-              </a:cxn>
-              <a:cxn ang="0">
-                <a:pos x="connsiteX1" y="connsiteY1"/>
-              </a:cxn>
-              <a:cxn ang="0">
-                <a:pos x="connsiteX2" y="connsiteY2"/>
-              </a:cxn>
-              <a:cxn ang="0">
-                <a:pos x="connsiteX3" y="connsiteY3"/>
-              </a:cxn>
-              <a:cxn ang="0">
-                <a:pos x="connsiteX4" y="connsiteY4"/>
-              </a:cxn>
-              <a:cxn ang="0">
-                <a:pos x="connsiteX5" y="connsiteY5"/>
-              </a:cxn>
-              <a:cxn ang="0">
-                <a:pos x="connsiteX6" y="connsiteY6"/>
-              </a:cxn>
-              <a:cxn ang="0">
-                <a:pos x="connsiteX7" y="connsiteY7"/>
-              </a:cxn>
-              <a:cxn ang="0">
-                <a:pos x="connsiteX8" y="connsiteY8"/>
-              </a:cxn>
-              <a:cxn ang="0">
-                <a:pos x="connsiteX9" y="connsiteY9"/>
-              </a:cxn>
-              <a:cxn ang="0">
-                <a:pos x="connsiteX10" y="connsiteY10"/>
-              </a:cxn>
-            </a:cxnLst>
-            <a:rect l="l" t="t" r="r" b="b"/>
-            <a:pathLst>
-              <a:path w="1923382" h="414482">
-                <a:moveTo>
-                  <a:pt x="0" y="225025"/>
-                </a:moveTo>
-                <a:lnTo>
-                  <a:pt x="279404" y="225025"/>
-                </a:lnTo>
-                <a:lnTo>
-                  <a:pt x="382541" y="0"/>
-                </a:lnTo>
-                <a:lnTo>
-                  <a:pt x="572511" y="414482"/>
-                </a:lnTo>
-                <a:lnTo>
-                  <a:pt x="762483" y="0"/>
-                </a:lnTo>
-                <a:lnTo>
-                  <a:pt x="952453" y="414482"/>
-                </a:lnTo>
-                <a:lnTo>
-                  <a:pt x="1142425" y="0"/>
-                </a:lnTo>
-                <a:lnTo>
-                  <a:pt x="1332395" y="414481"/>
-                </a:lnTo>
-                <a:lnTo>
-                  <a:pt x="1522366" y="0"/>
-                </a:lnTo>
-                <a:lnTo>
-                  <a:pt x="1625503" y="225025"/>
-                </a:lnTo>
-                <a:lnTo>
-                  <a:pt x="1923382" y="225026"/>
-                </a:lnTo>
-              </a:path>
-            </a:pathLst>
-          </a:custGeom>
-          <a:noFill/>
-          <a:ln w="9525">
-            <a:solidFill>
-              <a:schemeClr val="tx1"/>
-            </a:solidFill>
-            <a:round/>
-            <a:headEnd/>
-            <a:tailEnd/>
-          </a:ln>
-          <a:effectLst/>
-          <a:extLst>
-            <a:ext uri="{AF507438-7753-43E0-B8FC-AC1667EBCBE1}">
-              <a14:hiddenEffects xmlns:a14="http://schemas.microsoft.com/office/drawing/2010/main">
-                <a:effectLst>
-                  <a:outerShdw dist="35921" dir="2700000" algn="ctr" rotWithShape="0">
-                    <a:schemeClr val="bg2"/>
-                  </a:outerShdw>
-                </a:effectLst>
-              </a14:hiddenEffects>
-            </a:ext>
-          </a:extLst>
-        </p:spPr>
-        <p:txBody>
-          <a:bodyPr rot="0" spcFirstLastPara="0" vertOverflow="overflow" horzOverflow="overflow" vert="horz" wrap="square" lIns="91440" tIns="45720" rIns="91440" bIns="45720" numCol="1" spcCol="0" rtlCol="0" fromWordArt="0" anchor="ctr" anchorCtr="0" forceAA="0" compatLnSpc="1">
-            <a:prstTxWarp prst="textNoShape">
-              <a:avLst/>
-            </a:prstTxWarp>
-            <a:noAutofit/>
-          </a:bodyPr>
-          <a:lstStyle/>
-          <a:p>
-            <a:pPr algn="ctr"/>
-            <a:endParaRPr lang="ja-JP" altLang="en-US"/>
-          </a:p>
-        </p:txBody>
-      </p:sp>
-      <p:sp>
-        <p:nvSpPr>
-          <p:cNvPr id="159" name="楕円 158">
-            <a:extLst>
-              <a:ext uri="{FF2B5EF4-FFF2-40B4-BE49-F238E27FC236}">
-                <a16:creationId xmlns:a16="http://schemas.microsoft.com/office/drawing/2014/main" id="{CD172C84-5BEB-05DE-C018-8DF8722C45F2}"/>
-              </a:ext>
-            </a:extLst>
-          </p:cNvPr>
-          <p:cNvSpPr/>
-          <p:nvPr/>
-        </p:nvSpPr>
-        <p:spPr>
-          <a:xfrm>
-            <a:off x="11156130" y="5073852"/>
-            <a:ext cx="52176" cy="54363"/>
-          </a:xfrm>
-          <a:prstGeom prst="ellipse">
-            <a:avLst/>
-          </a:prstGeom>
-          <a:solidFill>
-            <a:schemeClr val="tx1"/>
-          </a:solidFill>
-          <a:ln w="9525">
-            <a:solidFill>
-              <a:schemeClr val="tx1"/>
-            </a:solidFill>
-          </a:ln>
-        </p:spPr>
-        <p:style>
-          <a:lnRef idx="2">
-            <a:schemeClr val="accent1">
-              <a:shade val="15000"/>
-            </a:schemeClr>
-          </a:lnRef>
-          <a:fillRef idx="1">
-            <a:schemeClr val="accent1"/>
-          </a:fillRef>
-          <a:effectRef idx="0">
-            <a:schemeClr val="accent1"/>
-          </a:effectRef>
-          <a:fontRef idx="minor">
-            <a:schemeClr val="lt1"/>
-          </a:fontRef>
-        </p:style>
-        <p:txBody>
-          <a:bodyPr rtlCol="0" anchor="ctr"/>
-          <a:lstStyle/>
-          <a:p>
-            <a:pPr algn="ctr"/>
-            <a:endParaRPr kumimoji="1" lang="ja-JP" altLang="en-US"/>
-          </a:p>
-        </p:txBody>
-      </p:sp>
-      <p:sp>
-        <p:nvSpPr>
           <p:cNvPr id="163" name="テキスト ボックス 162">
             <a:extLst>
               <a:ext uri="{FF2B5EF4-FFF2-40B4-BE49-F238E27FC236}">
@@ -16067,7 +16137,7 @@
             <a:pPr algn="ctr"/>
             <a:r>
               <a:rPr kumimoji="1" lang="en-US" altLang="ja-JP" sz="1100" dirty="0"/>
-              <a:t>v</a:t>
+              <a:t>d</a:t>
             </a:r>
             <a:endParaRPr kumimoji="1" lang="ja-JP" altLang="en-US" sz="1100" dirty="0"/>
           </a:p>
@@ -16178,7 +16248,7 @@
             <a:pPr algn="ctr"/>
             <a:r>
               <a:rPr kumimoji="1" lang="en-US" altLang="ja-JP" sz="1100" dirty="0"/>
-              <a:t>d</a:t>
+              <a:t>v</a:t>
             </a:r>
             <a:endParaRPr kumimoji="1" lang="ja-JP" altLang="en-US" sz="1100" dirty="0"/>
           </a:p>
@@ -16252,7 +16322,7 @@
             <a:pPr algn="ctr"/>
             <a:r>
               <a:rPr kumimoji="1" lang="en-US" altLang="ja-JP" sz="1100" dirty="0"/>
-              <a:t>v</a:t>
+              <a:t>d</a:t>
             </a:r>
             <a:endParaRPr kumimoji="1" lang="ja-JP" altLang="en-US" sz="1100" dirty="0"/>
           </a:p>
@@ -16363,7 +16433,7 @@
             <a:pPr algn="ctr"/>
             <a:r>
               <a:rPr kumimoji="1" lang="en-US" altLang="ja-JP" sz="1100" dirty="0"/>
-              <a:t>d</a:t>
+              <a:t>v</a:t>
             </a:r>
             <a:endParaRPr kumimoji="1" lang="ja-JP" altLang="en-US" sz="1100" dirty="0"/>
           </a:p>
@@ -16437,7 +16507,7 @@
             <a:pPr algn="ctr"/>
             <a:r>
               <a:rPr kumimoji="1" lang="en-US" altLang="ja-JP" sz="1100" dirty="0"/>
-              <a:t>v</a:t>
+              <a:t>d</a:t>
             </a:r>
             <a:endParaRPr kumimoji="1" lang="ja-JP" altLang="en-US" sz="1100" dirty="0"/>
           </a:p>
@@ -16511,7 +16581,7 @@
             <a:pPr algn="ctr"/>
             <a:r>
               <a:rPr kumimoji="1" lang="en-US" altLang="ja-JP" sz="1100" dirty="0"/>
-              <a:t>d</a:t>
+              <a:t>v</a:t>
             </a:r>
             <a:endParaRPr kumimoji="1" lang="ja-JP" altLang="en-US" sz="1100" dirty="0"/>
           </a:p>
@@ -16585,7 +16655,7 @@
             <a:pPr algn="ctr"/>
             <a:r>
               <a:rPr kumimoji="1" lang="en-US" altLang="ja-JP" sz="1100" dirty="0"/>
-              <a:t>v</a:t>
+              <a:t>d</a:t>
             </a:r>
             <a:endParaRPr kumimoji="1" lang="ja-JP" altLang="en-US" sz="1100" dirty="0"/>
           </a:p>
@@ -16643,43 +16713,6 @@
         <p:spPr>
           <a:xfrm>
             <a:off x="10801350" y="5251797"/>
-            <a:ext cx="234475" cy="261610"/>
-          </a:xfrm>
-          <a:prstGeom prst="rect">
-            <a:avLst/>
-          </a:prstGeom>
-          <a:noFill/>
-        </p:spPr>
-        <p:txBody>
-          <a:bodyPr wrap="square" rtlCol="0">
-            <a:spAutoFit/>
-          </a:bodyPr>
-          <a:lstStyle/>
-          <a:p>
-            <a:pPr algn="ctr"/>
-            <a:r>
-              <a:rPr kumimoji="1" lang="en-US" altLang="ja-JP" sz="1100" dirty="0"/>
-              <a:t>d</a:t>
-            </a:r>
-            <a:endParaRPr kumimoji="1" lang="ja-JP" altLang="en-US" sz="1100" dirty="0"/>
-          </a:p>
-        </p:txBody>
-      </p:sp>
-      <p:sp>
-        <p:nvSpPr>
-          <p:cNvPr id="186" name="テキスト ボックス 185">
-            <a:extLst>
-              <a:ext uri="{FF2B5EF4-FFF2-40B4-BE49-F238E27FC236}">
-                <a16:creationId xmlns:a16="http://schemas.microsoft.com/office/drawing/2014/main" id="{E6810D2B-A765-5FCF-38DF-3DE706853C6C}"/>
-              </a:ext>
-            </a:extLst>
-          </p:cNvPr>
-          <p:cNvSpPr txBox="1"/>
-          <p:nvPr/>
-        </p:nvSpPr>
-        <p:spPr>
-          <a:xfrm>
-            <a:off x="11311947" y="5251797"/>
             <a:ext cx="234475" cy="261610"/>
           </a:xfrm>
           <a:prstGeom prst="rect">
@@ -17553,43 +17586,6 @@
           </a:p>
         </p:txBody>
       </p:sp>
-      <p:sp>
-        <p:nvSpPr>
-          <p:cNvPr id="211" name="テキスト ボックス 210">
-            <a:extLst>
-              <a:ext uri="{FF2B5EF4-FFF2-40B4-BE49-F238E27FC236}">
-                <a16:creationId xmlns:a16="http://schemas.microsoft.com/office/drawing/2014/main" id="{1E89887D-E264-890E-9422-1EEE1076AA58}"/>
-              </a:ext>
-            </a:extLst>
-          </p:cNvPr>
-          <p:cNvSpPr txBox="1"/>
-          <p:nvPr/>
-        </p:nvSpPr>
-        <p:spPr>
-          <a:xfrm>
-            <a:off x="11427618" y="4765109"/>
-            <a:ext cx="374140" cy="261610"/>
-          </a:xfrm>
-          <a:prstGeom prst="rect">
-            <a:avLst/>
-          </a:prstGeom>
-          <a:noFill/>
-        </p:spPr>
-        <p:txBody>
-          <a:bodyPr wrap="square" rtlCol="0">
-            <a:spAutoFit/>
-          </a:bodyPr>
-          <a:lstStyle/>
-          <a:p>
-            <a:pPr algn="ctr"/>
-            <a:r>
-              <a:rPr kumimoji="1" lang="en-US" altLang="ja-JP" sz="1100" dirty="0"/>
-              <a:t>24</a:t>
-            </a:r>
-            <a:endParaRPr kumimoji="1" lang="ja-JP" altLang="en-US" sz="1100" dirty="0"/>
-          </a:p>
-        </p:txBody>
-      </p:sp>
       <p:grpSp>
         <p:nvGrpSpPr>
           <p:cNvPr id="224" name="グループ化 223">
@@ -18277,10 +18273,10 @@
         </p:nvGrpSpPr>
         <p:grpSpPr>
           <a:xfrm>
-            <a:off x="11688323" y="4970031"/>
-            <a:ext cx="784835" cy="259225"/>
-            <a:chOff x="11951272" y="4967173"/>
-            <a:chExt cx="784835" cy="259225"/>
+            <a:off x="11130037" y="4970032"/>
+            <a:ext cx="1343121" cy="259225"/>
+            <a:chOff x="11392986" y="4967174"/>
+            <a:chExt cx="1343121" cy="259225"/>
           </a:xfrm>
         </p:grpSpPr>
         <p:sp>
@@ -18351,10 +18347,10 @@
           </p:nvGrpSpPr>
           <p:grpSpPr>
             <a:xfrm rot="16200000">
-              <a:off x="12214077" y="4704368"/>
-              <a:ext cx="259225" cy="784835"/>
-              <a:chOff x="2310258" y="1859004"/>
-              <a:chExt cx="608139" cy="1841213"/>
+              <a:off x="11934934" y="4425226"/>
+              <a:ext cx="259225" cy="1343121"/>
+              <a:chOff x="2310258" y="549272"/>
+              <a:chExt cx="608139" cy="3150945"/>
             </a:xfrm>
           </p:grpSpPr>
           <p:cxnSp>
@@ -18479,8 +18475,8 @@
             </p:nvCxnSpPr>
             <p:spPr bwMode="auto">
               <a:xfrm rot="5400000">
-                <a:off x="1808021" y="2665311"/>
-                <a:ext cx="1612614" cy="0"/>
+                <a:off x="1153154" y="2010445"/>
+                <a:ext cx="2922346" cy="0"/>
               </a:xfrm>
               <a:prstGeom prst="line">
                 <a:avLst/>
@@ -18585,7 +18581,7 @@
         </p:nvGrpSpPr>
         <p:grpSpPr>
           <a:xfrm>
-            <a:off x="3897176" y="5097781"/>
+            <a:off x="3387286" y="5097781"/>
             <a:ext cx="265683" cy="1061371"/>
             <a:chOff x="4160125" y="5097781"/>
             <a:chExt cx="265683" cy="1061371"/>
@@ -18991,7 +18987,7 @@
         </p:nvGrpSpPr>
         <p:grpSpPr>
           <a:xfrm>
-            <a:off x="6450203" y="5097781"/>
+            <a:off x="5939663" y="5097781"/>
             <a:ext cx="265683" cy="1061371"/>
             <a:chOff x="4160125" y="5097781"/>
             <a:chExt cx="265683" cy="1061371"/>
@@ -19803,7 +19799,7 @@
         </p:nvGrpSpPr>
         <p:grpSpPr>
           <a:xfrm>
-            <a:off x="10538252" y="5097781"/>
+            <a:off x="10020691" y="5097781"/>
             <a:ext cx="265683" cy="1061371"/>
             <a:chOff x="4160125" y="5097781"/>
             <a:chExt cx="265683" cy="1061371"/>
@@ -21411,14 +21407,14 @@
           <p:cNvCxnSpPr>
             <a:cxnSpLocks/>
             <a:stCxn id="357" idx="0"/>
-            <a:endCxn id="153" idx="0"/>
+            <a:endCxn id="151" idx="0"/>
           </p:cNvCxnSpPr>
           <p:nvPr/>
         </p:nvCxnSpPr>
         <p:spPr>
           <a:xfrm rot="10800000" flipV="1">
-            <a:off x="9651869" y="4437324"/>
-            <a:ext cx="805078" cy="636527"/>
+            <a:off x="9145759" y="4437324"/>
+            <a:ext cx="1311189" cy="636527"/>
           </a:xfrm>
           <a:prstGeom prst="bentConnector2">
             <a:avLst/>
@@ -21444,6 +21440,1376 @@
           </a:fontRef>
         </p:style>
       </p:cxnSp>
+      <p:cxnSp>
+        <p:nvCxnSpPr>
+          <p:cNvPr id="387" name="直線矢印コネクタ 386">
+            <a:extLst>
+              <a:ext uri="{FF2B5EF4-FFF2-40B4-BE49-F238E27FC236}">
+                <a16:creationId xmlns:a16="http://schemas.microsoft.com/office/drawing/2014/main" id="{1EB3C915-503C-F559-837D-2EA2D283932A}"/>
+              </a:ext>
+            </a:extLst>
+          </p:cNvPr>
+          <p:cNvCxnSpPr>
+            <a:cxnSpLocks/>
+          </p:cNvCxnSpPr>
+          <p:nvPr/>
+        </p:nvCxnSpPr>
+        <p:spPr>
+          <a:xfrm flipV="1">
+            <a:off x="950378" y="-160020"/>
+            <a:ext cx="7297987" cy="1447478"/>
+          </a:xfrm>
+          <a:prstGeom prst="straightConnector1">
+            <a:avLst/>
+          </a:prstGeom>
+          <a:ln w="38100">
+            <a:tailEnd type="triangle"/>
+          </a:ln>
+        </p:spPr>
+        <p:style>
+          <a:lnRef idx="2">
+            <a:schemeClr val="dk1"/>
+          </a:lnRef>
+          <a:fillRef idx="0">
+            <a:schemeClr val="dk1"/>
+          </a:fillRef>
+          <a:effectRef idx="1">
+            <a:schemeClr val="dk1"/>
+          </a:effectRef>
+          <a:fontRef idx="minor">
+            <a:schemeClr val="tx1"/>
+          </a:fontRef>
+        </p:style>
+      </p:cxnSp>
+      <mc:AlternateContent xmlns:mc="http://schemas.openxmlformats.org/markup-compatibility/2006">
+        <mc:Choice xmlns:a14="http://schemas.microsoft.com/office/drawing/2010/main" Requires="a14">
+          <p:sp>
+            <p:nvSpPr>
+              <p:cNvPr id="469" name="テキスト ボックス 468">
+                <a:extLst>
+                  <a:ext uri="{FF2B5EF4-FFF2-40B4-BE49-F238E27FC236}">
+                    <a16:creationId xmlns:a16="http://schemas.microsoft.com/office/drawing/2014/main" id="{EF937326-D0E2-57F2-1806-09B00F7D3BFB}"/>
+                  </a:ext>
+                </a:extLst>
+              </p:cNvPr>
+              <p:cNvSpPr txBox="1"/>
+              <p:nvPr/>
+            </p:nvSpPr>
+            <p:spPr>
+              <a:xfrm>
+                <a:off x="3000165" y="6527464"/>
+                <a:ext cx="873572" cy="520463"/>
+              </a:xfrm>
+              <a:prstGeom prst="rect">
+                <a:avLst/>
+              </a:prstGeom>
+              <a:noFill/>
+            </p:spPr>
+            <p:txBody>
+              <a:bodyPr wrap="none" lIns="0" tIns="0" rIns="0" bIns="0" rtlCol="0">
+                <a:spAutoFit/>
+              </a:bodyPr>
+              <a:lstStyle/>
+              <a:p>
+                <a14:m>
+                  <m:oMathPara xmlns:m="http://schemas.openxmlformats.org/officeDocument/2006/math">
+                    <m:oMathParaPr>
+                      <m:jc m:val="centerGroup"/>
+                    </m:oMathParaPr>
+                    <m:oMath xmlns:m="http://schemas.openxmlformats.org/officeDocument/2006/math">
+                      <m:sSub>
+                        <m:sSubPr>
+                          <m:ctrlPr>
+                            <a:rPr kumimoji="1" lang="en-US" altLang="ja-JP" b="0" i="1" smtClean="0">
+                              <a:latin typeface="Cambria Math" panose="02040503050406030204" pitchFamily="18" charset="0"/>
+                            </a:rPr>
+                          </m:ctrlPr>
+                        </m:sSubPr>
+                        <m:e>
+                          <m:r>
+                            <a:rPr kumimoji="1" lang="en-US" altLang="ja-JP" b="0" i="1" smtClean="0">
+                              <a:latin typeface="Cambria Math" panose="02040503050406030204" pitchFamily="18" charset="0"/>
+                            </a:rPr>
+                            <m:t>𝑅</m:t>
+                          </m:r>
+                        </m:e>
+                        <m:sub>
+                          <m:r>
+                            <a:rPr kumimoji="1" lang="en-US" altLang="ja-JP" b="0" i="1" smtClean="0">
+                              <a:latin typeface="Cambria Math" panose="02040503050406030204" pitchFamily="18" charset="0"/>
+                            </a:rPr>
+                            <m:t>𝑣</m:t>
+                          </m:r>
+                        </m:sub>
+                      </m:sSub>
+                      <m:r>
+                        <a:rPr kumimoji="1" lang="en-US" altLang="ja-JP" b="0" i="1" smtClean="0">
+                          <a:latin typeface="Cambria Math" panose="02040503050406030204" pitchFamily="18" charset="0"/>
+                        </a:rPr>
+                        <m:t>=</m:t>
+                      </m:r>
+                      <m:f>
+                        <m:fPr>
+                          <m:ctrlPr>
+                            <a:rPr kumimoji="1" lang="en-US" altLang="ja-JP" b="0" i="1" smtClean="0">
+                              <a:latin typeface="Cambria Math" panose="02040503050406030204" pitchFamily="18" charset="0"/>
+                            </a:rPr>
+                          </m:ctrlPr>
+                        </m:fPr>
+                        <m:num>
+                          <m:r>
+                            <a:rPr kumimoji="1" lang="en-US" altLang="ja-JP" b="0" i="1" smtClean="0">
+                              <a:latin typeface="Cambria Math" panose="02040503050406030204" pitchFamily="18" charset="0"/>
+                            </a:rPr>
+                            <m:t>1</m:t>
+                          </m:r>
+                        </m:num>
+                        <m:den>
+                          <m:r>
+                            <a:rPr kumimoji="1" lang="en-US" altLang="ja-JP" b="0" i="1" smtClean="0">
+                              <a:latin typeface="Cambria Math" panose="02040503050406030204" pitchFamily="18" charset="0"/>
+                            </a:rPr>
+                            <m:t>h𝑆</m:t>
+                          </m:r>
+                        </m:den>
+                      </m:f>
+                    </m:oMath>
+                  </m:oMathPara>
+                </a14:m>
+                <a:endParaRPr kumimoji="1" lang="ja-JP" altLang="en-US" dirty="0"/>
+              </a:p>
+            </p:txBody>
+          </p:sp>
+        </mc:Choice>
+        <mc:Fallback>
+          <p:sp>
+            <p:nvSpPr>
+              <p:cNvPr id="469" name="テキスト ボックス 468">
+                <a:extLst>
+                  <a:ext uri="{FF2B5EF4-FFF2-40B4-BE49-F238E27FC236}">
+                    <a16:creationId xmlns:a16="http://schemas.microsoft.com/office/drawing/2014/main" id="{EF937326-D0E2-57F2-1806-09B00F7D3BFB}"/>
+                  </a:ext>
+                </a:extLst>
+              </p:cNvPr>
+              <p:cNvSpPr txBox="1">
+                <a:spLocks noRot="1" noChangeAspect="1" noMove="1" noResize="1" noEditPoints="1" noAdjustHandles="1" noChangeArrowheads="1" noChangeShapeType="1" noTextEdit="1"/>
+              </p:cNvSpPr>
+              <p:nvPr/>
+            </p:nvSpPr>
+            <p:spPr>
+              <a:xfrm>
+                <a:off x="3000165" y="6527464"/>
+                <a:ext cx="873572" cy="520463"/>
+              </a:xfrm>
+              <a:prstGeom prst="rect">
+                <a:avLst/>
+              </a:prstGeom>
+              <a:blipFill>
+                <a:blip r:embed="rId3"/>
+                <a:stretch>
+                  <a:fillRect/>
+                </a:stretch>
+              </a:blipFill>
+            </p:spPr>
+            <p:txBody>
+              <a:bodyPr/>
+              <a:lstStyle/>
+              <a:p>
+                <a:r>
+                  <a:rPr lang="ja-JP" altLang="en-US">
+                    <a:noFill/>
+                  </a:rPr>
+                  <a:t> </a:t>
+                </a:r>
+              </a:p>
+            </p:txBody>
+          </p:sp>
+        </mc:Fallback>
+      </mc:AlternateContent>
+      <mc:AlternateContent xmlns:mc="http://schemas.openxmlformats.org/markup-compatibility/2006">
+        <mc:Choice xmlns:a14="http://schemas.microsoft.com/office/drawing/2010/main" Requires="a14">
+          <p:sp>
+            <p:nvSpPr>
+              <p:cNvPr id="470" name="テキスト ボックス 469">
+                <a:extLst>
+                  <a:ext uri="{FF2B5EF4-FFF2-40B4-BE49-F238E27FC236}">
+                    <a16:creationId xmlns:a16="http://schemas.microsoft.com/office/drawing/2014/main" id="{2908E0DE-AAD2-65A1-C814-EE06CCB48BE2}"/>
+                  </a:ext>
+                </a:extLst>
+              </p:cNvPr>
+              <p:cNvSpPr txBox="1"/>
+              <p:nvPr/>
+            </p:nvSpPr>
+            <p:spPr>
+              <a:xfrm>
+                <a:off x="3001186" y="7197633"/>
+                <a:ext cx="2437334" cy="278281"/>
+              </a:xfrm>
+              <a:prstGeom prst="rect">
+                <a:avLst/>
+              </a:prstGeom>
+              <a:noFill/>
+            </p:spPr>
+            <p:txBody>
+              <a:bodyPr wrap="none" lIns="0" tIns="0" rIns="0" bIns="0" rtlCol="0">
+                <a:spAutoFit/>
+              </a:bodyPr>
+              <a:lstStyle/>
+              <a:p>
+                <a14:m>
+                  <m:oMath xmlns:m="http://schemas.openxmlformats.org/officeDocument/2006/math">
+                    <m:r>
+                      <a:rPr kumimoji="1" lang="en-US" altLang="ja-JP" b="0" i="1" smtClean="0">
+                        <a:latin typeface="Cambria Math" panose="02040503050406030204" pitchFamily="18" charset="0"/>
+                      </a:rPr>
+                      <m:t>h</m:t>
+                    </m:r>
+                    <m:r>
+                      <a:rPr kumimoji="1" lang="en-US" altLang="ja-JP" b="0" i="1" smtClean="0">
+                        <a:latin typeface="Cambria Math" panose="02040503050406030204" pitchFamily="18" charset="0"/>
+                      </a:rPr>
+                      <m:t>=10 (</m:t>
+                    </m:r>
+                    <m:r>
+                      <a:rPr lang="ja-JP" altLang="en-US" i="1">
+                        <a:latin typeface="Cambria Math" panose="02040503050406030204" pitchFamily="18" charset="0"/>
+                      </a:rPr>
+                      <m:t>空気</m:t>
+                    </m:r>
+                  </m:oMath>
+                </a14:m>
+                <a:r>
+                  <a:rPr kumimoji="1" lang="en-US" altLang="ja-JP" dirty="0"/>
+                  <a:t>, </a:t>
+                </a:r>
+                <a:r>
+                  <a:rPr kumimoji="1" lang="ja-JP" altLang="en-US" dirty="0"/>
+                  <a:t>自然対流</a:t>
+                </a:r>
+                <a:r>
+                  <a:rPr kumimoji="1" lang="en-US" altLang="ja-JP" dirty="0"/>
+                  <a:t>)</a:t>
+                </a:r>
+              </a:p>
+            </p:txBody>
+          </p:sp>
+        </mc:Choice>
+        <mc:Fallback>
+          <p:sp>
+            <p:nvSpPr>
+              <p:cNvPr id="470" name="テキスト ボックス 469">
+                <a:extLst>
+                  <a:ext uri="{FF2B5EF4-FFF2-40B4-BE49-F238E27FC236}">
+                    <a16:creationId xmlns:a16="http://schemas.microsoft.com/office/drawing/2014/main" id="{2908E0DE-AAD2-65A1-C814-EE06CCB48BE2}"/>
+                  </a:ext>
+                </a:extLst>
+              </p:cNvPr>
+              <p:cNvSpPr txBox="1">
+                <a:spLocks noRot="1" noChangeAspect="1" noMove="1" noResize="1" noEditPoints="1" noAdjustHandles="1" noChangeArrowheads="1" noChangeShapeType="1" noTextEdit="1"/>
+              </p:cNvSpPr>
+              <p:nvPr/>
+            </p:nvSpPr>
+            <p:spPr>
+              <a:xfrm>
+                <a:off x="3001186" y="7197633"/>
+                <a:ext cx="2437334" cy="278281"/>
+              </a:xfrm>
+              <a:prstGeom prst="rect">
+                <a:avLst/>
+              </a:prstGeom>
+              <a:blipFill>
+                <a:blip r:embed="rId4"/>
+                <a:stretch>
+                  <a:fillRect l="-3500" t="-26667" r="-5500" b="-53333"/>
+                </a:stretch>
+              </a:blipFill>
+            </p:spPr>
+            <p:txBody>
+              <a:bodyPr/>
+              <a:lstStyle/>
+              <a:p>
+                <a:r>
+                  <a:rPr lang="ja-JP" altLang="en-US">
+                    <a:noFill/>
+                  </a:rPr>
+                  <a:t> </a:t>
+                </a:r>
+              </a:p>
+            </p:txBody>
+          </p:sp>
+        </mc:Fallback>
+      </mc:AlternateContent>
+      <mc:AlternateContent xmlns:mc="http://schemas.openxmlformats.org/markup-compatibility/2006">
+        <mc:Choice xmlns:a14="http://schemas.microsoft.com/office/drawing/2010/main" Requires="a14">
+          <p:sp>
+            <p:nvSpPr>
+              <p:cNvPr id="471" name="テキスト ボックス 470">
+                <a:extLst>
+                  <a:ext uri="{FF2B5EF4-FFF2-40B4-BE49-F238E27FC236}">
+                    <a16:creationId xmlns:a16="http://schemas.microsoft.com/office/drawing/2014/main" id="{A268A831-B118-72C7-34D2-06CAA01B61DC}"/>
+                  </a:ext>
+                </a:extLst>
+              </p:cNvPr>
+              <p:cNvSpPr txBox="1"/>
+              <p:nvPr/>
+            </p:nvSpPr>
+            <p:spPr>
+              <a:xfrm>
+                <a:off x="3001186" y="7666454"/>
+                <a:ext cx="1057597" cy="276999"/>
+              </a:xfrm>
+              <a:prstGeom prst="rect">
+                <a:avLst/>
+              </a:prstGeom>
+              <a:noFill/>
+            </p:spPr>
+            <p:txBody>
+              <a:bodyPr wrap="none" lIns="0" tIns="0" rIns="0" bIns="0" rtlCol="0">
+                <a:spAutoFit/>
+              </a:bodyPr>
+              <a:lstStyle/>
+              <a:p>
+                <a14:m>
+                  <m:oMathPara xmlns:m="http://schemas.openxmlformats.org/officeDocument/2006/math">
+                    <m:oMathParaPr>
+                      <m:jc m:val="centerGroup"/>
+                    </m:oMathParaPr>
+                    <m:oMath xmlns:m="http://schemas.openxmlformats.org/officeDocument/2006/math">
+                      <m:r>
+                        <a:rPr kumimoji="1" lang="en-US" altLang="ja-JP" b="0" i="1" smtClean="0">
+                          <a:latin typeface="Cambria Math" panose="02040503050406030204" pitchFamily="18" charset="0"/>
+                        </a:rPr>
+                        <m:t>𝑆</m:t>
+                      </m:r>
+                      <m:r>
+                        <a:rPr kumimoji="1" lang="en-US" altLang="ja-JP" b="0" i="1" smtClean="0">
+                          <a:latin typeface="Cambria Math" panose="02040503050406030204" pitchFamily="18" charset="0"/>
+                        </a:rPr>
+                        <m:t>=2</m:t>
+                      </m:r>
+                      <m:r>
+                        <a:rPr kumimoji="1" lang="en-US" altLang="ja-JP" b="0" i="1" smtClean="0">
+                          <a:latin typeface="Cambria Math" panose="02040503050406030204" pitchFamily="18" charset="0"/>
+                        </a:rPr>
+                        <m:t>𝜋</m:t>
+                      </m:r>
+                      <m:r>
+                        <a:rPr kumimoji="1" lang="en-US" altLang="ja-JP" b="0" i="1" smtClean="0">
+                          <a:latin typeface="Cambria Math" panose="02040503050406030204" pitchFamily="18" charset="0"/>
+                        </a:rPr>
+                        <m:t>𝑅𝐿</m:t>
+                      </m:r>
+                    </m:oMath>
+                  </m:oMathPara>
+                </a14:m>
+                <a:endParaRPr kumimoji="1" lang="en-US" altLang="ja-JP" dirty="0"/>
+              </a:p>
+            </p:txBody>
+          </p:sp>
+        </mc:Choice>
+        <mc:Fallback>
+          <p:sp>
+            <p:nvSpPr>
+              <p:cNvPr id="471" name="テキスト ボックス 470">
+                <a:extLst>
+                  <a:ext uri="{FF2B5EF4-FFF2-40B4-BE49-F238E27FC236}">
+                    <a16:creationId xmlns:a16="http://schemas.microsoft.com/office/drawing/2014/main" id="{A268A831-B118-72C7-34D2-06CAA01B61DC}"/>
+                  </a:ext>
+                </a:extLst>
+              </p:cNvPr>
+              <p:cNvSpPr txBox="1">
+                <a:spLocks noRot="1" noChangeAspect="1" noMove="1" noResize="1" noEditPoints="1" noAdjustHandles="1" noChangeArrowheads="1" noChangeShapeType="1" noTextEdit="1"/>
+              </p:cNvSpPr>
+              <p:nvPr/>
+            </p:nvSpPr>
+            <p:spPr>
+              <a:xfrm>
+                <a:off x="3001186" y="7666454"/>
+                <a:ext cx="1057597" cy="276999"/>
+              </a:xfrm>
+              <a:prstGeom prst="rect">
+                <a:avLst/>
+              </a:prstGeom>
+              <a:blipFill>
+                <a:blip r:embed="rId5"/>
+                <a:stretch>
+                  <a:fillRect l="-2874" r="-3448" b="-6667"/>
+                </a:stretch>
+              </a:blipFill>
+            </p:spPr>
+            <p:txBody>
+              <a:bodyPr/>
+              <a:lstStyle/>
+              <a:p>
+                <a:r>
+                  <a:rPr lang="ja-JP" altLang="en-US">
+                    <a:noFill/>
+                  </a:rPr>
+                  <a:t> </a:t>
+                </a:r>
+              </a:p>
+            </p:txBody>
+          </p:sp>
+        </mc:Fallback>
+      </mc:AlternateContent>
+      <mc:AlternateContent xmlns:mc="http://schemas.openxmlformats.org/markup-compatibility/2006">
+        <mc:Choice xmlns:a14="http://schemas.microsoft.com/office/drawing/2010/main" Requires="a14">
+          <p:sp>
+            <p:nvSpPr>
+              <p:cNvPr id="472" name="テキスト ボックス 471">
+                <a:extLst>
+                  <a:ext uri="{FF2B5EF4-FFF2-40B4-BE49-F238E27FC236}">
+                    <a16:creationId xmlns:a16="http://schemas.microsoft.com/office/drawing/2014/main" id="{13208808-2137-6868-2355-B1C4FD5BB718}"/>
+                  </a:ext>
+                </a:extLst>
+              </p:cNvPr>
+              <p:cNvSpPr txBox="1"/>
+              <p:nvPr/>
+            </p:nvSpPr>
+            <p:spPr>
+              <a:xfrm>
+                <a:off x="-218956" y="6222694"/>
+                <a:ext cx="1346394" cy="751488"/>
+              </a:xfrm>
+              <a:prstGeom prst="rect">
+                <a:avLst/>
+              </a:prstGeom>
+              <a:noFill/>
+            </p:spPr>
+            <p:txBody>
+              <a:bodyPr wrap="none" lIns="0" tIns="0" rIns="0" bIns="0" rtlCol="0">
+                <a:spAutoFit/>
+              </a:bodyPr>
+              <a:lstStyle/>
+              <a:p>
+                <a14:m>
+                  <m:oMathPara xmlns:m="http://schemas.openxmlformats.org/officeDocument/2006/math">
+                    <m:oMathParaPr>
+                      <m:jc m:val="centerGroup"/>
+                    </m:oMathParaPr>
+                    <m:oMath xmlns:m="http://schemas.openxmlformats.org/officeDocument/2006/math">
+                      <m:sSub>
+                        <m:sSubPr>
+                          <m:ctrlPr>
+                            <a:rPr kumimoji="1" lang="en-US" altLang="ja-JP" b="0" i="1" smtClean="0">
+                              <a:latin typeface="Cambria Math" panose="02040503050406030204" pitchFamily="18" charset="0"/>
+                            </a:rPr>
+                          </m:ctrlPr>
+                        </m:sSubPr>
+                        <m:e>
+                          <m:r>
+                            <a:rPr kumimoji="1" lang="en-US" altLang="ja-JP" b="0" i="1" smtClean="0">
+                              <a:latin typeface="Cambria Math" panose="02040503050406030204" pitchFamily="18" charset="0"/>
+                            </a:rPr>
+                            <m:t>𝑅</m:t>
+                          </m:r>
+                        </m:e>
+                        <m:sub>
+                          <m:r>
+                            <a:rPr kumimoji="1" lang="en-US" altLang="ja-JP" b="0" i="1" smtClean="0">
+                              <a:latin typeface="Cambria Math" panose="02040503050406030204" pitchFamily="18" charset="0"/>
+                            </a:rPr>
+                            <m:t>𝑑</m:t>
+                          </m:r>
+                        </m:sub>
+                      </m:sSub>
+                      <m:r>
+                        <a:rPr kumimoji="1" lang="en-US" altLang="ja-JP" b="0" i="1" smtClean="0">
+                          <a:latin typeface="Cambria Math" panose="02040503050406030204" pitchFamily="18" charset="0"/>
+                        </a:rPr>
+                        <m:t>=</m:t>
+                      </m:r>
+                      <m:f>
+                        <m:fPr>
+                          <m:ctrlPr>
+                            <a:rPr kumimoji="1" lang="en-US" altLang="ja-JP" b="0" i="1" smtClean="0">
+                              <a:latin typeface="Cambria Math" panose="02040503050406030204" pitchFamily="18" charset="0"/>
+                            </a:rPr>
+                          </m:ctrlPr>
+                        </m:fPr>
+                        <m:num>
+                          <m:func>
+                            <m:funcPr>
+                              <m:ctrlPr>
+                                <a:rPr kumimoji="1" lang="en-US" altLang="ja-JP" b="0" i="1" smtClean="0">
+                                  <a:latin typeface="Cambria Math" panose="02040503050406030204" pitchFamily="18" charset="0"/>
+                                </a:rPr>
+                              </m:ctrlPr>
+                            </m:funcPr>
+                            <m:fName>
+                              <m:r>
+                                <m:rPr>
+                                  <m:sty m:val="p"/>
+                                </m:rPr>
+                                <a:rPr kumimoji="1" lang="en-US" altLang="ja-JP" b="0" i="0" smtClean="0">
+                                  <a:latin typeface="Cambria Math" panose="02040503050406030204" pitchFamily="18" charset="0"/>
+                                </a:rPr>
+                                <m:t>ln</m:t>
+                              </m:r>
+                            </m:fName>
+                            <m:e>
+                              <m:d>
+                                <m:dPr>
+                                  <m:ctrlPr>
+                                    <a:rPr kumimoji="1" lang="en-US" altLang="ja-JP" b="0" i="1" smtClean="0">
+                                      <a:latin typeface="Cambria Math" panose="02040503050406030204" pitchFamily="18" charset="0"/>
+                                    </a:rPr>
+                                  </m:ctrlPr>
+                                </m:dPr>
+                                <m:e>
+                                  <m:f>
+                                    <m:fPr>
+                                      <m:ctrlPr>
+                                        <a:rPr kumimoji="1" lang="en-US" altLang="ja-JP" b="0" i="1" smtClean="0">
+                                          <a:latin typeface="Cambria Math" panose="02040503050406030204" pitchFamily="18" charset="0"/>
+                                        </a:rPr>
+                                      </m:ctrlPr>
+                                    </m:fPr>
+                                    <m:num>
+                                      <m:sSub>
+                                        <m:sSubPr>
+                                          <m:ctrlPr>
+                                            <a:rPr kumimoji="1" lang="en-US" altLang="ja-JP" b="0" i="1" smtClean="0">
+                                              <a:latin typeface="Cambria Math" panose="02040503050406030204" pitchFamily="18" charset="0"/>
+                                            </a:rPr>
+                                          </m:ctrlPr>
+                                        </m:sSubPr>
+                                        <m:e>
+                                          <m:r>
+                                            <a:rPr kumimoji="1" lang="en-US" altLang="ja-JP" b="0" i="1" smtClean="0">
+                                              <a:latin typeface="Cambria Math" panose="02040503050406030204" pitchFamily="18" charset="0"/>
+                                            </a:rPr>
+                                            <m:t>𝑅</m:t>
+                                          </m:r>
+                                        </m:e>
+                                        <m:sub>
+                                          <m:r>
+                                            <a:rPr kumimoji="1" lang="en-US" altLang="ja-JP" b="0" i="1" smtClean="0">
+                                              <a:latin typeface="Cambria Math" panose="02040503050406030204" pitchFamily="18" charset="0"/>
+                                            </a:rPr>
+                                            <m:t>𝑜</m:t>
+                                          </m:r>
+                                        </m:sub>
+                                      </m:sSub>
+                                    </m:num>
+                                    <m:den>
+                                      <m:sSub>
+                                        <m:sSubPr>
+                                          <m:ctrlPr>
+                                            <a:rPr kumimoji="1" lang="en-US" altLang="ja-JP" b="0" i="1" smtClean="0">
+                                              <a:latin typeface="Cambria Math" panose="02040503050406030204" pitchFamily="18" charset="0"/>
+                                            </a:rPr>
+                                          </m:ctrlPr>
+                                        </m:sSubPr>
+                                        <m:e>
+                                          <m:r>
+                                            <a:rPr kumimoji="1" lang="en-US" altLang="ja-JP" b="0" i="1" smtClean="0">
+                                              <a:latin typeface="Cambria Math" panose="02040503050406030204" pitchFamily="18" charset="0"/>
+                                            </a:rPr>
+                                            <m:t>𝑅</m:t>
+                                          </m:r>
+                                        </m:e>
+                                        <m:sub>
+                                          <m:r>
+                                            <a:rPr kumimoji="1" lang="en-US" altLang="ja-JP" b="0" i="1" smtClean="0">
+                                              <a:latin typeface="Cambria Math" panose="02040503050406030204" pitchFamily="18" charset="0"/>
+                                            </a:rPr>
+                                            <m:t>𝑖</m:t>
+                                          </m:r>
+                                        </m:sub>
+                                      </m:sSub>
+                                    </m:den>
+                                  </m:f>
+                                </m:e>
+                              </m:d>
+                            </m:e>
+                          </m:func>
+                        </m:num>
+                        <m:den>
+                          <m:r>
+                            <a:rPr kumimoji="1" lang="en-US" altLang="ja-JP" b="0" i="1" smtClean="0">
+                              <a:latin typeface="Cambria Math" panose="02040503050406030204" pitchFamily="18" charset="0"/>
+                            </a:rPr>
+                            <m:t>2</m:t>
+                          </m:r>
+                          <m:r>
+                            <a:rPr kumimoji="1" lang="en-US" altLang="ja-JP" b="0" i="1" smtClean="0">
+                              <a:latin typeface="Cambria Math" panose="02040503050406030204" pitchFamily="18" charset="0"/>
+                            </a:rPr>
+                            <m:t>𝜋</m:t>
+                          </m:r>
+                          <m:r>
+                            <a:rPr kumimoji="1" lang="en-US" altLang="ja-JP" b="0" i="1" smtClean="0">
+                              <a:latin typeface="Cambria Math" panose="02040503050406030204" pitchFamily="18" charset="0"/>
+                            </a:rPr>
+                            <m:t>𝐿</m:t>
+                          </m:r>
+                          <m:r>
+                            <a:rPr kumimoji="1" lang="en-US" altLang="ja-JP" b="0" i="1" smtClean="0">
+                              <a:latin typeface="Cambria Math" panose="02040503050406030204" pitchFamily="18" charset="0"/>
+                            </a:rPr>
+                            <m:t>𝜆</m:t>
+                          </m:r>
+                        </m:den>
+                      </m:f>
+                    </m:oMath>
+                  </m:oMathPara>
+                </a14:m>
+                <a:endParaRPr kumimoji="1" lang="ja-JP" altLang="en-US" dirty="0"/>
+              </a:p>
+            </p:txBody>
+          </p:sp>
+        </mc:Choice>
+        <mc:Fallback>
+          <p:sp>
+            <p:nvSpPr>
+              <p:cNvPr id="472" name="テキスト ボックス 471">
+                <a:extLst>
+                  <a:ext uri="{FF2B5EF4-FFF2-40B4-BE49-F238E27FC236}">
+                    <a16:creationId xmlns:a16="http://schemas.microsoft.com/office/drawing/2014/main" id="{13208808-2137-6868-2355-B1C4FD5BB718}"/>
+                  </a:ext>
+                </a:extLst>
+              </p:cNvPr>
+              <p:cNvSpPr txBox="1">
+                <a:spLocks noRot="1" noChangeAspect="1" noMove="1" noResize="1" noEditPoints="1" noAdjustHandles="1" noChangeArrowheads="1" noChangeShapeType="1" noTextEdit="1"/>
+              </p:cNvSpPr>
+              <p:nvPr/>
+            </p:nvSpPr>
+            <p:spPr>
+              <a:xfrm>
+                <a:off x="-218956" y="6222694"/>
+                <a:ext cx="1346394" cy="751488"/>
+              </a:xfrm>
+              <a:prstGeom prst="rect">
+                <a:avLst/>
+              </a:prstGeom>
+              <a:blipFill>
+                <a:blip r:embed="rId6"/>
+                <a:stretch>
+                  <a:fillRect/>
+                </a:stretch>
+              </a:blipFill>
+            </p:spPr>
+            <p:txBody>
+              <a:bodyPr/>
+              <a:lstStyle/>
+              <a:p>
+                <a:r>
+                  <a:rPr lang="ja-JP" altLang="en-US">
+                    <a:noFill/>
+                  </a:rPr>
+                  <a:t> </a:t>
+                </a:r>
+              </a:p>
+            </p:txBody>
+          </p:sp>
+        </mc:Fallback>
+      </mc:AlternateContent>
+      <mc:AlternateContent xmlns:mc="http://schemas.openxmlformats.org/markup-compatibility/2006">
+        <mc:Choice xmlns:a14="http://schemas.microsoft.com/office/drawing/2010/main" Requires="a14">
+          <p:sp>
+            <p:nvSpPr>
+              <p:cNvPr id="473" name="テキスト ボックス 472">
+                <a:extLst>
+                  <a:ext uri="{FF2B5EF4-FFF2-40B4-BE49-F238E27FC236}">
+                    <a16:creationId xmlns:a16="http://schemas.microsoft.com/office/drawing/2014/main" id="{2D884B61-5E58-00DB-80C0-3468FFF850C7}"/>
+                  </a:ext>
+                </a:extLst>
+              </p:cNvPr>
+              <p:cNvSpPr txBox="1"/>
+              <p:nvPr/>
+            </p:nvSpPr>
+            <p:spPr>
+              <a:xfrm>
+                <a:off x="-217935" y="7197633"/>
+                <a:ext cx="2437334" cy="278281"/>
+              </a:xfrm>
+              <a:prstGeom prst="rect">
+                <a:avLst/>
+              </a:prstGeom>
+              <a:noFill/>
+            </p:spPr>
+            <p:txBody>
+              <a:bodyPr wrap="none" lIns="0" tIns="0" rIns="0" bIns="0" rtlCol="0">
+                <a:spAutoFit/>
+              </a:bodyPr>
+              <a:lstStyle/>
+              <a:p>
+                <a14:m>
+                  <m:oMath xmlns:m="http://schemas.openxmlformats.org/officeDocument/2006/math">
+                    <m:r>
+                      <a:rPr kumimoji="1" lang="en-US" altLang="ja-JP" b="0" i="1" smtClean="0">
+                        <a:latin typeface="Cambria Math" panose="02040503050406030204" pitchFamily="18" charset="0"/>
+                      </a:rPr>
+                      <m:t>h</m:t>
+                    </m:r>
+                    <m:r>
+                      <a:rPr kumimoji="1" lang="en-US" altLang="ja-JP" b="0" i="1" smtClean="0">
+                        <a:latin typeface="Cambria Math" panose="02040503050406030204" pitchFamily="18" charset="0"/>
+                      </a:rPr>
+                      <m:t>=10 (</m:t>
+                    </m:r>
+                    <m:r>
+                      <a:rPr lang="ja-JP" altLang="en-US" i="1">
+                        <a:latin typeface="Cambria Math" panose="02040503050406030204" pitchFamily="18" charset="0"/>
+                      </a:rPr>
+                      <m:t>空気</m:t>
+                    </m:r>
+                  </m:oMath>
+                </a14:m>
+                <a:r>
+                  <a:rPr kumimoji="1" lang="en-US" altLang="ja-JP" dirty="0"/>
+                  <a:t>, </a:t>
+                </a:r>
+                <a:r>
+                  <a:rPr kumimoji="1" lang="ja-JP" altLang="en-US" dirty="0"/>
+                  <a:t>自然対流</a:t>
+                </a:r>
+                <a:r>
+                  <a:rPr kumimoji="1" lang="en-US" altLang="ja-JP" dirty="0"/>
+                  <a:t>)</a:t>
+                </a:r>
+              </a:p>
+            </p:txBody>
+          </p:sp>
+        </mc:Choice>
+        <mc:Fallback>
+          <p:sp>
+            <p:nvSpPr>
+              <p:cNvPr id="473" name="テキスト ボックス 472">
+                <a:extLst>
+                  <a:ext uri="{FF2B5EF4-FFF2-40B4-BE49-F238E27FC236}">
+                    <a16:creationId xmlns:a16="http://schemas.microsoft.com/office/drawing/2014/main" id="{2D884B61-5E58-00DB-80C0-3468FFF850C7}"/>
+                  </a:ext>
+                </a:extLst>
+              </p:cNvPr>
+              <p:cNvSpPr txBox="1">
+                <a:spLocks noRot="1" noChangeAspect="1" noMove="1" noResize="1" noEditPoints="1" noAdjustHandles="1" noChangeArrowheads="1" noChangeShapeType="1" noTextEdit="1"/>
+              </p:cNvSpPr>
+              <p:nvPr/>
+            </p:nvSpPr>
+            <p:spPr>
+              <a:xfrm>
+                <a:off x="-217935" y="7197633"/>
+                <a:ext cx="2437334" cy="278281"/>
+              </a:xfrm>
+              <a:prstGeom prst="rect">
+                <a:avLst/>
+              </a:prstGeom>
+              <a:blipFill>
+                <a:blip r:embed="rId7"/>
+                <a:stretch>
+                  <a:fillRect l="-3500" t="-26667" r="-5500" b="-53333"/>
+                </a:stretch>
+              </a:blipFill>
+            </p:spPr>
+            <p:txBody>
+              <a:bodyPr/>
+              <a:lstStyle/>
+              <a:p>
+                <a:r>
+                  <a:rPr lang="ja-JP" altLang="en-US">
+                    <a:noFill/>
+                  </a:rPr>
+                  <a:t> </a:t>
+                </a:r>
+              </a:p>
+            </p:txBody>
+          </p:sp>
+        </mc:Fallback>
+      </mc:AlternateContent>
+      <mc:AlternateContent xmlns:mc="http://schemas.openxmlformats.org/markup-compatibility/2006">
+        <mc:Choice xmlns:a14="http://schemas.microsoft.com/office/drawing/2010/main" Requires="a14">
+          <p:sp>
+            <p:nvSpPr>
+              <p:cNvPr id="474" name="テキスト ボックス 473">
+                <a:extLst>
+                  <a:ext uri="{FF2B5EF4-FFF2-40B4-BE49-F238E27FC236}">
+                    <a16:creationId xmlns:a16="http://schemas.microsoft.com/office/drawing/2014/main" id="{59A410FC-2881-3055-4CDA-40FED8044555}"/>
+                  </a:ext>
+                </a:extLst>
+              </p:cNvPr>
+              <p:cNvSpPr txBox="1"/>
+              <p:nvPr/>
+            </p:nvSpPr>
+            <p:spPr>
+              <a:xfrm>
+                <a:off x="-217935" y="7666454"/>
+                <a:ext cx="1057597" cy="276999"/>
+              </a:xfrm>
+              <a:prstGeom prst="rect">
+                <a:avLst/>
+              </a:prstGeom>
+              <a:noFill/>
+            </p:spPr>
+            <p:txBody>
+              <a:bodyPr wrap="none" lIns="0" tIns="0" rIns="0" bIns="0" rtlCol="0">
+                <a:spAutoFit/>
+              </a:bodyPr>
+              <a:lstStyle/>
+              <a:p>
+                <a14:m>
+                  <m:oMathPara xmlns:m="http://schemas.openxmlformats.org/officeDocument/2006/math">
+                    <m:oMathParaPr>
+                      <m:jc m:val="centerGroup"/>
+                    </m:oMathParaPr>
+                    <m:oMath xmlns:m="http://schemas.openxmlformats.org/officeDocument/2006/math">
+                      <m:r>
+                        <a:rPr kumimoji="1" lang="en-US" altLang="ja-JP" b="0" i="1" smtClean="0">
+                          <a:latin typeface="Cambria Math" panose="02040503050406030204" pitchFamily="18" charset="0"/>
+                        </a:rPr>
+                        <m:t>𝑆</m:t>
+                      </m:r>
+                      <m:r>
+                        <a:rPr kumimoji="1" lang="en-US" altLang="ja-JP" b="0" i="1" smtClean="0">
+                          <a:latin typeface="Cambria Math" panose="02040503050406030204" pitchFamily="18" charset="0"/>
+                        </a:rPr>
+                        <m:t>=2</m:t>
+                      </m:r>
+                      <m:r>
+                        <a:rPr kumimoji="1" lang="en-US" altLang="ja-JP" b="0" i="1" smtClean="0">
+                          <a:latin typeface="Cambria Math" panose="02040503050406030204" pitchFamily="18" charset="0"/>
+                        </a:rPr>
+                        <m:t>𝜋</m:t>
+                      </m:r>
+                      <m:r>
+                        <a:rPr kumimoji="1" lang="en-US" altLang="ja-JP" b="0" i="1" smtClean="0">
+                          <a:latin typeface="Cambria Math" panose="02040503050406030204" pitchFamily="18" charset="0"/>
+                        </a:rPr>
+                        <m:t>𝑅𝐿</m:t>
+                      </m:r>
+                    </m:oMath>
+                  </m:oMathPara>
+                </a14:m>
+                <a:endParaRPr kumimoji="1" lang="en-US" altLang="ja-JP" dirty="0"/>
+              </a:p>
+            </p:txBody>
+          </p:sp>
+        </mc:Choice>
+        <mc:Fallback>
+          <p:sp>
+            <p:nvSpPr>
+              <p:cNvPr id="474" name="テキスト ボックス 473">
+                <a:extLst>
+                  <a:ext uri="{FF2B5EF4-FFF2-40B4-BE49-F238E27FC236}">
+                    <a16:creationId xmlns:a16="http://schemas.microsoft.com/office/drawing/2014/main" id="{59A410FC-2881-3055-4CDA-40FED8044555}"/>
+                  </a:ext>
+                </a:extLst>
+              </p:cNvPr>
+              <p:cNvSpPr txBox="1">
+                <a:spLocks noRot="1" noChangeAspect="1" noMove="1" noResize="1" noEditPoints="1" noAdjustHandles="1" noChangeArrowheads="1" noChangeShapeType="1" noTextEdit="1"/>
+              </p:cNvSpPr>
+              <p:nvPr/>
+            </p:nvSpPr>
+            <p:spPr>
+              <a:xfrm>
+                <a:off x="-217935" y="7666454"/>
+                <a:ext cx="1057597" cy="276999"/>
+              </a:xfrm>
+              <a:prstGeom prst="rect">
+                <a:avLst/>
+              </a:prstGeom>
+              <a:blipFill>
+                <a:blip r:embed="rId8"/>
+                <a:stretch>
+                  <a:fillRect l="-2874" r="-3448" b="-6667"/>
+                </a:stretch>
+              </a:blipFill>
+            </p:spPr>
+            <p:txBody>
+              <a:bodyPr/>
+              <a:lstStyle/>
+              <a:p>
+                <a:r>
+                  <a:rPr lang="ja-JP" altLang="en-US">
+                    <a:noFill/>
+                  </a:rPr>
+                  <a:t> </a:t>
+                </a:r>
+              </a:p>
+            </p:txBody>
+          </p:sp>
+        </mc:Fallback>
+      </mc:AlternateContent>
+      <mc:AlternateContent xmlns:mc="http://schemas.openxmlformats.org/markup-compatibility/2006">
+        <mc:Choice xmlns:a14="http://schemas.microsoft.com/office/drawing/2010/main" Requires="a14">
+          <p:sp>
+            <p:nvSpPr>
+              <p:cNvPr id="475" name="テキスト ボックス 474">
+                <a:extLst>
+                  <a:ext uri="{FF2B5EF4-FFF2-40B4-BE49-F238E27FC236}">
+                    <a16:creationId xmlns:a16="http://schemas.microsoft.com/office/drawing/2014/main" id="{B3DE3F0F-5FB8-44E8-9B46-6DEE0C549238}"/>
+                  </a:ext>
+                </a:extLst>
+              </p:cNvPr>
+              <p:cNvSpPr txBox="1"/>
+              <p:nvPr/>
+            </p:nvSpPr>
+            <p:spPr>
+              <a:xfrm>
+                <a:off x="6126603" y="6527464"/>
+                <a:ext cx="1273554" cy="561629"/>
+              </a:xfrm>
+              <a:prstGeom prst="rect">
+                <a:avLst/>
+              </a:prstGeom>
+              <a:noFill/>
+            </p:spPr>
+            <p:txBody>
+              <a:bodyPr wrap="none" lIns="0" tIns="0" rIns="0" bIns="0" rtlCol="0">
+                <a:spAutoFit/>
+              </a:bodyPr>
+              <a:lstStyle/>
+              <a:p>
+                <a14:m>
+                  <m:oMathPara xmlns:m="http://schemas.openxmlformats.org/officeDocument/2006/math">
+                    <m:oMathParaPr>
+                      <m:jc m:val="centerGroup"/>
+                    </m:oMathParaPr>
+                    <m:oMath xmlns:m="http://schemas.openxmlformats.org/officeDocument/2006/math">
+                      <m:sSub>
+                        <m:sSubPr>
+                          <m:ctrlPr>
+                            <a:rPr kumimoji="1" lang="en-US" altLang="ja-JP" b="0" i="1" smtClean="0">
+                              <a:latin typeface="Cambria Math" panose="02040503050406030204" pitchFamily="18" charset="0"/>
+                            </a:rPr>
+                          </m:ctrlPr>
+                        </m:sSubPr>
+                        <m:e>
+                          <m:r>
+                            <a:rPr kumimoji="1" lang="en-US" altLang="ja-JP" b="0" i="1" smtClean="0">
+                              <a:latin typeface="Cambria Math" panose="02040503050406030204" pitchFamily="18" charset="0"/>
+                            </a:rPr>
+                            <m:t>𝑅</m:t>
+                          </m:r>
+                        </m:e>
+                        <m:sub>
+                          <m:r>
+                            <a:rPr kumimoji="1" lang="en-US" altLang="ja-JP" b="0" i="1" smtClean="0">
+                              <a:latin typeface="Cambria Math" panose="02040503050406030204" pitchFamily="18" charset="0"/>
+                            </a:rPr>
+                            <m:t>𝑡</m:t>
+                          </m:r>
+                        </m:sub>
+                      </m:sSub>
+                      <m:r>
+                        <a:rPr kumimoji="1" lang="en-US" altLang="ja-JP" b="0" i="1" smtClean="0">
+                          <a:latin typeface="Cambria Math" panose="02040503050406030204" pitchFamily="18" charset="0"/>
+                        </a:rPr>
+                        <m:t>=</m:t>
+                      </m:r>
+                      <m:f>
+                        <m:fPr>
+                          <m:ctrlPr>
+                            <a:rPr kumimoji="1" lang="en-US" altLang="ja-JP" b="0" i="1" smtClean="0">
+                              <a:latin typeface="Cambria Math" panose="02040503050406030204" pitchFamily="18" charset="0"/>
+                            </a:rPr>
+                          </m:ctrlPr>
+                        </m:fPr>
+                        <m:num>
+                          <m:r>
+                            <a:rPr kumimoji="1" lang="en-US" altLang="ja-JP" b="0" i="1" smtClean="0">
+                              <a:latin typeface="Cambria Math" panose="02040503050406030204" pitchFamily="18" charset="0"/>
+                            </a:rPr>
+                            <m:t>1</m:t>
+                          </m:r>
+                        </m:num>
+                        <m:den>
+                          <m:r>
+                            <a:rPr kumimoji="1" lang="en-US" altLang="ja-JP" b="0" i="1" smtClean="0">
+                              <a:latin typeface="Cambria Math" panose="02040503050406030204" pitchFamily="18" charset="0"/>
+                            </a:rPr>
+                            <m:t>1150</m:t>
+                          </m:r>
+                          <m:r>
+                            <a:rPr kumimoji="1" lang="en-US" altLang="ja-JP" b="0" i="1" smtClean="0">
+                              <a:latin typeface="Cambria Math" panose="02040503050406030204" pitchFamily="18" charset="0"/>
+                            </a:rPr>
+                            <m:t>𝑄</m:t>
+                          </m:r>
+                        </m:den>
+                      </m:f>
+                    </m:oMath>
+                  </m:oMathPara>
+                </a14:m>
+                <a:endParaRPr kumimoji="1" lang="ja-JP" altLang="en-US" dirty="0"/>
+              </a:p>
+            </p:txBody>
+          </p:sp>
+        </mc:Choice>
+        <mc:Fallback>
+          <p:sp>
+            <p:nvSpPr>
+              <p:cNvPr id="475" name="テキスト ボックス 474">
+                <a:extLst>
+                  <a:ext uri="{FF2B5EF4-FFF2-40B4-BE49-F238E27FC236}">
+                    <a16:creationId xmlns:a16="http://schemas.microsoft.com/office/drawing/2014/main" id="{B3DE3F0F-5FB8-44E8-9B46-6DEE0C549238}"/>
+                  </a:ext>
+                </a:extLst>
+              </p:cNvPr>
+              <p:cNvSpPr txBox="1">
+                <a:spLocks noRot="1" noChangeAspect="1" noMove="1" noResize="1" noEditPoints="1" noAdjustHandles="1" noChangeArrowheads="1" noChangeShapeType="1" noTextEdit="1"/>
+              </p:cNvSpPr>
+              <p:nvPr/>
+            </p:nvSpPr>
+            <p:spPr>
+              <a:xfrm>
+                <a:off x="6126603" y="6527464"/>
+                <a:ext cx="1273554" cy="561629"/>
+              </a:xfrm>
+              <a:prstGeom prst="rect">
+                <a:avLst/>
+              </a:prstGeom>
+              <a:blipFill>
+                <a:blip r:embed="rId9"/>
+                <a:stretch>
+                  <a:fillRect/>
+                </a:stretch>
+              </a:blipFill>
+            </p:spPr>
+            <p:txBody>
+              <a:bodyPr/>
+              <a:lstStyle/>
+              <a:p>
+                <a:r>
+                  <a:rPr lang="ja-JP" altLang="en-US">
+                    <a:noFill/>
+                  </a:rPr>
+                  <a:t> </a:t>
+                </a:r>
+              </a:p>
+            </p:txBody>
+          </p:sp>
+        </mc:Fallback>
+      </mc:AlternateContent>
+      <mc:AlternateContent xmlns:mc="http://schemas.openxmlformats.org/markup-compatibility/2006">
+        <mc:Choice xmlns:a14="http://schemas.microsoft.com/office/drawing/2010/main" Requires="a14">
+          <p:sp>
+            <p:nvSpPr>
+              <p:cNvPr id="478" name="テキスト ボックス 477">
+                <a:extLst>
+                  <a:ext uri="{FF2B5EF4-FFF2-40B4-BE49-F238E27FC236}">
+                    <a16:creationId xmlns:a16="http://schemas.microsoft.com/office/drawing/2014/main" id="{243BB3CA-C2FF-9CA6-3CB0-B02EB698FB66}"/>
+                  </a:ext>
+                </a:extLst>
+              </p:cNvPr>
+              <p:cNvSpPr txBox="1"/>
+              <p:nvPr/>
+            </p:nvSpPr>
+            <p:spPr>
+              <a:xfrm>
+                <a:off x="6126603" y="7118014"/>
+                <a:ext cx="1808444" cy="312650"/>
+              </a:xfrm>
+              <a:prstGeom prst="rect">
+                <a:avLst/>
+              </a:prstGeom>
+              <a:noFill/>
+            </p:spPr>
+            <p:txBody>
+              <a:bodyPr wrap="none" lIns="0" tIns="0" rIns="0" bIns="0" rtlCol="0">
+                <a:spAutoFit/>
+              </a:bodyPr>
+              <a:lstStyle/>
+              <a:p>
+                <a14:m>
+                  <m:oMathPara xmlns:m="http://schemas.openxmlformats.org/officeDocument/2006/math">
+                    <m:oMathParaPr>
+                      <m:jc m:val="centerGroup"/>
+                    </m:oMathParaPr>
+                    <m:oMath xmlns:m="http://schemas.openxmlformats.org/officeDocument/2006/math">
+                      <m:r>
+                        <a:rPr kumimoji="1" lang="en-US" altLang="ja-JP" b="0" i="1" smtClean="0">
+                          <a:latin typeface="Cambria Math" panose="02040503050406030204" pitchFamily="18" charset="0"/>
+                        </a:rPr>
+                        <m:t>𝑄</m:t>
+                      </m:r>
+                      <m:r>
+                        <a:rPr kumimoji="1" lang="en-US" altLang="ja-JP" b="0" i="1" smtClean="0">
+                          <a:latin typeface="Cambria Math" panose="02040503050406030204" pitchFamily="18" charset="0"/>
+                        </a:rPr>
+                        <m:t>=</m:t>
+                      </m:r>
+                      <m:r>
+                        <a:rPr kumimoji="1" lang="en-US" altLang="ja-JP" b="0" i="1" smtClean="0">
+                          <a:latin typeface="Cambria Math" panose="02040503050406030204" pitchFamily="18" charset="0"/>
+                        </a:rPr>
+                        <m:t>𝜋</m:t>
+                      </m:r>
+                      <m:d>
+                        <m:dPr>
+                          <m:ctrlPr>
+                            <a:rPr kumimoji="1" lang="en-US" altLang="ja-JP" b="0" i="1" smtClean="0">
+                              <a:latin typeface="Cambria Math" panose="02040503050406030204" pitchFamily="18" charset="0"/>
+                            </a:rPr>
+                          </m:ctrlPr>
+                        </m:dPr>
+                        <m:e>
+                          <m:sSubSup>
+                            <m:sSubSupPr>
+                              <m:ctrlPr>
+                                <a:rPr kumimoji="1" lang="en-US" altLang="ja-JP" b="0" i="1" smtClean="0">
+                                  <a:latin typeface="Cambria Math" panose="02040503050406030204" pitchFamily="18" charset="0"/>
+                                </a:rPr>
+                              </m:ctrlPr>
+                            </m:sSubSupPr>
+                            <m:e>
+                              <m:r>
+                                <a:rPr kumimoji="1" lang="en-US" altLang="ja-JP" b="0" i="1" smtClean="0">
+                                  <a:latin typeface="Cambria Math" panose="02040503050406030204" pitchFamily="18" charset="0"/>
+                                </a:rPr>
+                                <m:t>𝑅</m:t>
+                              </m:r>
+                            </m:e>
+                            <m:sub>
+                              <m:r>
+                                <a:rPr kumimoji="1" lang="en-US" altLang="ja-JP" b="0" i="1" smtClean="0">
+                                  <a:latin typeface="Cambria Math" panose="02040503050406030204" pitchFamily="18" charset="0"/>
+                                </a:rPr>
+                                <m:t>𝑜</m:t>
+                              </m:r>
+                            </m:sub>
+                            <m:sup>
+                              <m:r>
+                                <a:rPr kumimoji="1" lang="en-US" altLang="ja-JP" b="0" i="1" smtClean="0">
+                                  <a:latin typeface="Cambria Math" panose="02040503050406030204" pitchFamily="18" charset="0"/>
+                                </a:rPr>
+                                <m:t>2</m:t>
+                              </m:r>
+                            </m:sup>
+                          </m:sSubSup>
+                          <m:r>
+                            <a:rPr kumimoji="1" lang="en-US" altLang="ja-JP" b="0" i="1" smtClean="0">
+                              <a:latin typeface="Cambria Math" panose="02040503050406030204" pitchFamily="18" charset="0"/>
+                            </a:rPr>
+                            <m:t>−</m:t>
+                          </m:r>
+                          <m:sSubSup>
+                            <m:sSubSupPr>
+                              <m:ctrlPr>
+                                <a:rPr kumimoji="1" lang="en-US" altLang="ja-JP" b="0" i="1" smtClean="0">
+                                  <a:latin typeface="Cambria Math" panose="02040503050406030204" pitchFamily="18" charset="0"/>
+                                </a:rPr>
+                              </m:ctrlPr>
+                            </m:sSubSupPr>
+                            <m:e>
+                              <m:r>
+                                <a:rPr kumimoji="1" lang="en-US" altLang="ja-JP" b="0" i="1" smtClean="0">
+                                  <a:latin typeface="Cambria Math" panose="02040503050406030204" pitchFamily="18" charset="0"/>
+                                </a:rPr>
+                                <m:t>𝑅</m:t>
+                              </m:r>
+                            </m:e>
+                            <m:sub>
+                              <m:r>
+                                <a:rPr kumimoji="1" lang="en-US" altLang="ja-JP" b="0" i="1" smtClean="0">
+                                  <a:latin typeface="Cambria Math" panose="02040503050406030204" pitchFamily="18" charset="0"/>
+                                </a:rPr>
+                                <m:t>𝑖</m:t>
+                              </m:r>
+                            </m:sub>
+                            <m:sup>
+                              <m:r>
+                                <a:rPr kumimoji="1" lang="en-US" altLang="ja-JP" b="0" i="1" smtClean="0">
+                                  <a:latin typeface="Cambria Math" panose="02040503050406030204" pitchFamily="18" charset="0"/>
+                                </a:rPr>
+                                <m:t>2</m:t>
+                              </m:r>
+                            </m:sup>
+                          </m:sSubSup>
+                        </m:e>
+                      </m:d>
+                      <m:r>
+                        <a:rPr kumimoji="1" lang="en-US" altLang="ja-JP" b="0" i="1" smtClean="0">
+                          <a:latin typeface="Cambria Math" panose="02040503050406030204" pitchFamily="18" charset="0"/>
+                        </a:rPr>
+                        <m:t>𝑣</m:t>
+                      </m:r>
+                    </m:oMath>
+                  </m:oMathPara>
+                </a14:m>
+                <a:endParaRPr kumimoji="1" lang="ja-JP" altLang="en-US" dirty="0"/>
+              </a:p>
+            </p:txBody>
+          </p:sp>
+        </mc:Choice>
+        <mc:Fallback>
+          <p:sp>
+            <p:nvSpPr>
+              <p:cNvPr id="478" name="テキスト ボックス 477">
+                <a:extLst>
+                  <a:ext uri="{FF2B5EF4-FFF2-40B4-BE49-F238E27FC236}">
+                    <a16:creationId xmlns:a16="http://schemas.microsoft.com/office/drawing/2014/main" id="{243BB3CA-C2FF-9CA6-3CB0-B02EB698FB66}"/>
+                  </a:ext>
+                </a:extLst>
+              </p:cNvPr>
+              <p:cNvSpPr txBox="1">
+                <a:spLocks noRot="1" noChangeAspect="1" noMove="1" noResize="1" noEditPoints="1" noAdjustHandles="1" noChangeArrowheads="1" noChangeShapeType="1" noTextEdit="1"/>
+              </p:cNvSpPr>
+              <p:nvPr/>
+            </p:nvSpPr>
+            <p:spPr>
+              <a:xfrm>
+                <a:off x="6126603" y="7118014"/>
+                <a:ext cx="1808444" cy="312650"/>
+              </a:xfrm>
+              <a:prstGeom prst="rect">
+                <a:avLst/>
+              </a:prstGeom>
+              <a:blipFill>
+                <a:blip r:embed="rId10"/>
+                <a:stretch>
+                  <a:fillRect l="-3367" r="-1010" b="-23529"/>
+                </a:stretch>
+              </a:blipFill>
+            </p:spPr>
+            <p:txBody>
+              <a:bodyPr/>
+              <a:lstStyle/>
+              <a:p>
+                <a:r>
+                  <a:rPr lang="ja-JP" altLang="en-US">
+                    <a:noFill/>
+                  </a:rPr>
+                  <a:t> </a:t>
+                </a:r>
+              </a:p>
+            </p:txBody>
+          </p:sp>
+        </mc:Fallback>
+      </mc:AlternateContent>
+      <mc:AlternateContent xmlns:mc="http://schemas.openxmlformats.org/markup-compatibility/2006">
+        <mc:Choice xmlns:a14="http://schemas.microsoft.com/office/drawing/2010/main" Requires="a14">
+          <p:sp>
+            <p:nvSpPr>
+              <p:cNvPr id="479" name="テキスト ボックス 478">
+                <a:extLst>
+                  <a:ext uri="{FF2B5EF4-FFF2-40B4-BE49-F238E27FC236}">
+                    <a16:creationId xmlns:a16="http://schemas.microsoft.com/office/drawing/2014/main" id="{F75163F6-2DB4-433A-0F06-8B5930E6887B}"/>
+                  </a:ext>
+                </a:extLst>
+              </p:cNvPr>
+              <p:cNvSpPr txBox="1"/>
+              <p:nvPr/>
+            </p:nvSpPr>
+            <p:spPr>
+              <a:xfrm>
+                <a:off x="6126603" y="7584739"/>
+                <a:ext cx="3259226" cy="276999"/>
+              </a:xfrm>
+              <a:prstGeom prst="rect">
+                <a:avLst/>
+              </a:prstGeom>
+              <a:noFill/>
+            </p:spPr>
+            <p:txBody>
+              <a:bodyPr wrap="none" lIns="0" tIns="0" rIns="0" bIns="0" rtlCol="0">
+                <a:spAutoFit/>
+              </a:bodyPr>
+              <a:lstStyle/>
+              <a:p>
+                <a14:m>
+                  <m:oMath xmlns:m="http://schemas.openxmlformats.org/officeDocument/2006/math">
+                    <m:r>
+                      <a:rPr kumimoji="1" lang="en-US" altLang="ja-JP" b="0" i="1" smtClean="0">
+                        <a:latin typeface="Cambria Math" panose="02040503050406030204" pitchFamily="18" charset="0"/>
+                      </a:rPr>
+                      <m:t>𝑣</m:t>
+                    </m:r>
+                  </m:oMath>
+                </a14:m>
+                <a:r>
+                  <a:rPr kumimoji="1" lang="en-US" altLang="ja-JP" dirty="0"/>
+                  <a:t>: </a:t>
+                </a:r>
+                <a:r>
+                  <a:rPr kumimoji="1" lang="ja-JP" altLang="en-US" dirty="0"/>
+                  <a:t>ファン空気の移動量 </a:t>
+                </a:r>
+                <a:r>
+                  <a:rPr kumimoji="1" lang="en-US" altLang="ja-JP" dirty="0"/>
+                  <a:t>[m^3/s]</a:t>
+                </a:r>
+                <a:endParaRPr kumimoji="1" lang="ja-JP" altLang="en-US" dirty="0"/>
+              </a:p>
+            </p:txBody>
+          </p:sp>
+        </mc:Choice>
+        <mc:Fallback>
+          <p:sp>
+            <p:nvSpPr>
+              <p:cNvPr id="479" name="テキスト ボックス 478">
+                <a:extLst>
+                  <a:ext uri="{FF2B5EF4-FFF2-40B4-BE49-F238E27FC236}">
+                    <a16:creationId xmlns:a16="http://schemas.microsoft.com/office/drawing/2014/main" id="{F75163F6-2DB4-433A-0F06-8B5930E6887B}"/>
+                  </a:ext>
+                </a:extLst>
+              </p:cNvPr>
+              <p:cNvSpPr txBox="1">
+                <a:spLocks noRot="1" noChangeAspect="1" noMove="1" noResize="1" noEditPoints="1" noAdjustHandles="1" noChangeArrowheads="1" noChangeShapeType="1" noTextEdit="1"/>
+              </p:cNvSpPr>
+              <p:nvPr/>
+            </p:nvSpPr>
+            <p:spPr>
+              <a:xfrm>
+                <a:off x="6126603" y="7584739"/>
+                <a:ext cx="3259226" cy="276999"/>
+              </a:xfrm>
+              <a:prstGeom prst="rect">
+                <a:avLst/>
+              </a:prstGeom>
+              <a:blipFill>
+                <a:blip r:embed="rId11"/>
+                <a:stretch>
+                  <a:fillRect l="-1869" t="-26087" r="-3738" b="-52174"/>
+                </a:stretch>
+              </a:blipFill>
+            </p:spPr>
+            <p:txBody>
+              <a:bodyPr/>
+              <a:lstStyle/>
+              <a:p>
+                <a:r>
+                  <a:rPr lang="ja-JP" altLang="en-US">
+                    <a:noFill/>
+                  </a:rPr>
+                  <a:t> </a:t>
+                </a:r>
+              </a:p>
+            </p:txBody>
+          </p:sp>
+        </mc:Fallback>
+      </mc:AlternateContent>
+      <p:pic>
+        <p:nvPicPr>
+          <p:cNvPr id="481" name="図 480">
+            <a:extLst>
+              <a:ext uri="{FF2B5EF4-FFF2-40B4-BE49-F238E27FC236}">
+                <a16:creationId xmlns:a16="http://schemas.microsoft.com/office/drawing/2014/main" id="{39DB62C9-51EC-C937-F6FA-96A808B3240C}"/>
+              </a:ext>
+            </a:extLst>
+          </p:cNvPr>
+          <p:cNvPicPr>
+            <a:picLocks noChangeAspect="1"/>
+          </p:cNvPicPr>
+          <p:nvPr/>
+        </p:nvPicPr>
+        <p:blipFill>
+          <a:blip r:embed="rId12"/>
+          <a:stretch>
+            <a:fillRect/>
+          </a:stretch>
+        </p:blipFill>
+        <p:spPr>
+          <a:xfrm>
+            <a:off x="-323888" y="8820150"/>
+            <a:ext cx="13349260" cy="2951024"/>
+          </a:xfrm>
+          <a:prstGeom prst="rect">
+            <a:avLst/>
+          </a:prstGeom>
+        </p:spPr>
+      </p:pic>
     </p:spTree>
     <p:extLst>
       <p:ext uri="{BB962C8B-B14F-4D97-AF65-F5344CB8AC3E}">
